--- a/Windows/Figures/Editing_Figure1.pptx
+++ b/Windows/Figures/Editing_Figure1.pptx
@@ -2,18 +2,18 @@
 <file path=ppt/presentation.xml><?xml version="1.0" encoding="utf-8"?>
 <p:presentation xmlns:a="http://schemas.openxmlformats.org/drawingml/2006/main" xmlns:r="http://schemas.openxmlformats.org/officeDocument/2006/relationships" xmlns:p="http://schemas.openxmlformats.org/presentationml/2006/main" saveSubsetFonts="1">
   <p:sldMasterIdLst>
-    <p:sldMasterId id="2147483684" r:id="rId1"/>
+    <p:sldMasterId id="2147483672" r:id="rId1"/>
   </p:sldMasterIdLst>
   <p:sldIdLst>
     <p:sldId id="256" r:id="rId2"/>
   </p:sldIdLst>
-  <p:sldSz cx="10288588" cy="8999538"/>
+  <p:sldSz cx="12192000" cy="6119813"/>
   <p:notesSz cx="6858000" cy="9144000"/>
   <p:defaultTextStyle>
     <a:defPPr>
       <a:defRPr lang="es-MX"/>
     </a:defPPr>
-    <a:lvl1pPr marL="0" algn="l" defTabSz="914400" rtl="0" eaLnBrk="1" latinLnBrk="0" hangingPunct="1">
+    <a:lvl1pPr marL="0" algn="l" defTabSz="914175" rtl="0" eaLnBrk="1" latinLnBrk="0" hangingPunct="1">
       <a:defRPr sz="1800" kern="1200">
         <a:solidFill>
           <a:schemeClr val="tx1"/>
@@ -23,7 +23,7 @@
         <a:cs typeface="+mn-cs"/>
       </a:defRPr>
     </a:lvl1pPr>
-    <a:lvl2pPr marL="457200" algn="l" defTabSz="914400" rtl="0" eaLnBrk="1" latinLnBrk="0" hangingPunct="1">
+    <a:lvl2pPr marL="457087" algn="l" defTabSz="914175" rtl="0" eaLnBrk="1" latinLnBrk="0" hangingPunct="1">
       <a:defRPr sz="1800" kern="1200">
         <a:solidFill>
           <a:schemeClr val="tx1"/>
@@ -33,7 +33,7 @@
         <a:cs typeface="+mn-cs"/>
       </a:defRPr>
     </a:lvl2pPr>
-    <a:lvl3pPr marL="914400" algn="l" defTabSz="914400" rtl="0" eaLnBrk="1" latinLnBrk="0" hangingPunct="1">
+    <a:lvl3pPr marL="914175" algn="l" defTabSz="914175" rtl="0" eaLnBrk="1" latinLnBrk="0" hangingPunct="1">
       <a:defRPr sz="1800" kern="1200">
         <a:solidFill>
           <a:schemeClr val="tx1"/>
@@ -43,7 +43,7 @@
         <a:cs typeface="+mn-cs"/>
       </a:defRPr>
     </a:lvl3pPr>
-    <a:lvl4pPr marL="1371600" algn="l" defTabSz="914400" rtl="0" eaLnBrk="1" latinLnBrk="0" hangingPunct="1">
+    <a:lvl4pPr marL="1371262" algn="l" defTabSz="914175" rtl="0" eaLnBrk="1" latinLnBrk="0" hangingPunct="1">
       <a:defRPr sz="1800" kern="1200">
         <a:solidFill>
           <a:schemeClr val="tx1"/>
@@ -53,7 +53,7 @@
         <a:cs typeface="+mn-cs"/>
       </a:defRPr>
     </a:lvl4pPr>
-    <a:lvl5pPr marL="1828800" algn="l" defTabSz="914400" rtl="0" eaLnBrk="1" latinLnBrk="0" hangingPunct="1">
+    <a:lvl5pPr marL="1828350" algn="l" defTabSz="914175" rtl="0" eaLnBrk="1" latinLnBrk="0" hangingPunct="1">
       <a:defRPr sz="1800" kern="1200">
         <a:solidFill>
           <a:schemeClr val="tx1"/>
@@ -63,7 +63,7 @@
         <a:cs typeface="+mn-cs"/>
       </a:defRPr>
     </a:lvl5pPr>
-    <a:lvl6pPr marL="2286000" algn="l" defTabSz="914400" rtl="0" eaLnBrk="1" latinLnBrk="0" hangingPunct="1">
+    <a:lvl6pPr marL="2285436" algn="l" defTabSz="914175" rtl="0" eaLnBrk="1" latinLnBrk="0" hangingPunct="1">
       <a:defRPr sz="1800" kern="1200">
         <a:solidFill>
           <a:schemeClr val="tx1"/>
@@ -73,7 +73,7 @@
         <a:cs typeface="+mn-cs"/>
       </a:defRPr>
     </a:lvl6pPr>
-    <a:lvl7pPr marL="2743200" algn="l" defTabSz="914400" rtl="0" eaLnBrk="1" latinLnBrk="0" hangingPunct="1">
+    <a:lvl7pPr marL="2742524" algn="l" defTabSz="914175" rtl="0" eaLnBrk="1" latinLnBrk="0" hangingPunct="1">
       <a:defRPr sz="1800" kern="1200">
         <a:solidFill>
           <a:schemeClr val="tx1"/>
@@ -83,7 +83,7 @@
         <a:cs typeface="+mn-cs"/>
       </a:defRPr>
     </a:lvl7pPr>
-    <a:lvl8pPr marL="3200400" algn="l" defTabSz="914400" rtl="0" eaLnBrk="1" latinLnBrk="0" hangingPunct="1">
+    <a:lvl8pPr marL="3199611" algn="l" defTabSz="914175" rtl="0" eaLnBrk="1" latinLnBrk="0" hangingPunct="1">
       <a:defRPr sz="1800" kern="1200">
         <a:solidFill>
           <a:schemeClr val="tx1"/>
@@ -93,7 +93,7 @@
         <a:cs typeface="+mn-cs"/>
       </a:defRPr>
     </a:lvl8pPr>
-    <a:lvl9pPr marL="3657600" algn="l" defTabSz="914400" rtl="0" eaLnBrk="1" latinLnBrk="0" hangingPunct="1">
+    <a:lvl9pPr marL="3656698" algn="l" defTabSz="914175" rtl="0" eaLnBrk="1" latinLnBrk="0" hangingPunct="1">
       <a:defRPr sz="1800" kern="1200">
         <a:solidFill>
           <a:schemeClr val="tx1"/>
@@ -141,15 +141,15 @@
         </p:nvSpPr>
         <p:spPr>
           <a:xfrm>
-            <a:off x="771644" y="1472842"/>
-            <a:ext cx="8745300" cy="3133172"/>
+            <a:off x="1524000" y="1001553"/>
+            <a:ext cx="9144000" cy="2130602"/>
           </a:xfrm>
         </p:spPr>
         <p:txBody>
           <a:bodyPr anchor="b"/>
           <a:lstStyle>
             <a:lvl1pPr algn="ctr">
-              <a:defRPr sz="6751"/>
+              <a:defRPr sz="5354"/>
             </a:lvl1pPr>
           </a:lstStyle>
           <a:p>
@@ -173,8 +173,8 @@
         </p:nvSpPr>
         <p:spPr>
           <a:xfrm>
-            <a:off x="1286074" y="4726842"/>
-            <a:ext cx="7716441" cy="2172804"/>
+            <a:off x="1524000" y="3214319"/>
+            <a:ext cx="9144000" cy="1477538"/>
           </a:xfrm>
         </p:spPr>
         <p:txBody>
@@ -182,39 +182,39 @@
           <a:lstStyle>
             <a:lvl1pPr marL="0" indent="0" algn="ctr">
               <a:buNone/>
-              <a:defRPr sz="2700"/>
+              <a:defRPr sz="2142"/>
             </a:lvl1pPr>
-            <a:lvl2pPr marL="514441" indent="0" algn="ctr">
-              <a:buNone/>
-              <a:defRPr sz="2250"/>
+            <a:lvl2pPr marL="408005" indent="0" algn="ctr">
+              <a:buNone/>
+              <a:defRPr sz="1785"/>
             </a:lvl2pPr>
-            <a:lvl3pPr marL="1028883" indent="0" algn="ctr">
-              <a:buNone/>
-              <a:defRPr sz="2025"/>
+            <a:lvl3pPr marL="816011" indent="0" algn="ctr">
+              <a:buNone/>
+              <a:defRPr sz="1606"/>
             </a:lvl3pPr>
-            <a:lvl4pPr marL="1543324" indent="0" algn="ctr">
-              <a:buNone/>
-              <a:defRPr sz="1800"/>
+            <a:lvl4pPr marL="1224016" indent="0" algn="ctr">
+              <a:buNone/>
+              <a:defRPr sz="1428"/>
             </a:lvl4pPr>
-            <a:lvl5pPr marL="2057766" indent="0" algn="ctr">
-              <a:buNone/>
-              <a:defRPr sz="1800"/>
+            <a:lvl5pPr marL="1632021" indent="0" algn="ctr">
+              <a:buNone/>
+              <a:defRPr sz="1428"/>
             </a:lvl5pPr>
-            <a:lvl6pPr marL="2572207" indent="0" algn="ctr">
-              <a:buNone/>
-              <a:defRPr sz="1800"/>
+            <a:lvl6pPr marL="2040026" indent="0" algn="ctr">
+              <a:buNone/>
+              <a:defRPr sz="1428"/>
             </a:lvl6pPr>
-            <a:lvl7pPr marL="3086649" indent="0" algn="ctr">
-              <a:buNone/>
-              <a:defRPr sz="1800"/>
+            <a:lvl7pPr marL="2448032" indent="0" algn="ctr">
+              <a:buNone/>
+              <a:defRPr sz="1428"/>
             </a:lvl7pPr>
-            <a:lvl8pPr marL="3601090" indent="0" algn="ctr">
-              <a:buNone/>
-              <a:defRPr sz="1800"/>
+            <a:lvl8pPr marL="2856037" indent="0" algn="ctr">
+              <a:buNone/>
+              <a:defRPr sz="1428"/>
             </a:lvl8pPr>
-            <a:lvl9pPr marL="4115532" indent="0" algn="ctr">
-              <a:buNone/>
-              <a:defRPr sz="1800"/>
+            <a:lvl9pPr marL="3264042" indent="0" algn="ctr">
+              <a:buNone/>
+              <a:defRPr sz="1428"/>
             </a:lvl9pPr>
           </a:lstStyle>
           <a:p>
@@ -241,9 +241,9 @@
           <a:bodyPr/>
           <a:lstStyle/>
           <a:p>
-            <a:fld id="{1E0DF464-35CB-4278-A862-D2CEABA7376D}" type="datetimeFigureOut">
+            <a:fld id="{A58B04F7-F471-4340-860B-568D342C6269}" type="datetimeFigureOut">
               <a:rPr lang="es-MX" smtClean="0"/>
-              <a:t>27/05/2022</a:t>
+              <a:t>28/05/2022</a:t>
             </a:fld>
             <a:endParaRPr lang="es-MX"/>
           </a:p>
@@ -283,7 +283,7 @@
           <a:bodyPr/>
           <a:lstStyle/>
           <a:p>
-            <a:fld id="{562FDED8-6C96-4E2A-A426-5EC15C087259}" type="slidenum">
+            <a:fld id="{66CC36B8-9E3F-425B-85ED-60D9E1CB1753}" type="slidenum">
               <a:rPr lang="es-MX" smtClean="0"/>
               <a:t>‹Nº›</a:t>
             </a:fld>
@@ -294,7 +294,7 @@
     </p:spTree>
     <p:extLst>
       <p:ext uri="{BB962C8B-B14F-4D97-AF65-F5344CB8AC3E}">
-        <p14:creationId xmlns:p14="http://schemas.microsoft.com/office/powerpoint/2010/main" val="3038035353"/>
+        <p14:creationId xmlns:p14="http://schemas.microsoft.com/office/powerpoint/2010/main" val="494338905"/>
       </p:ext>
     </p:extLst>
   </p:cSld>
@@ -411,9 +411,9 @@
           <a:bodyPr/>
           <a:lstStyle/>
           <a:p>
-            <a:fld id="{1E0DF464-35CB-4278-A862-D2CEABA7376D}" type="datetimeFigureOut">
+            <a:fld id="{A58B04F7-F471-4340-860B-568D342C6269}" type="datetimeFigureOut">
               <a:rPr lang="es-MX" smtClean="0"/>
-              <a:t>27/05/2022</a:t>
+              <a:t>28/05/2022</a:t>
             </a:fld>
             <a:endParaRPr lang="es-MX"/>
           </a:p>
@@ -453,7 +453,7 @@
           <a:bodyPr/>
           <a:lstStyle/>
           <a:p>
-            <a:fld id="{562FDED8-6C96-4E2A-A426-5EC15C087259}" type="slidenum">
+            <a:fld id="{66CC36B8-9E3F-425B-85ED-60D9E1CB1753}" type="slidenum">
               <a:rPr lang="es-MX" smtClean="0"/>
               <a:t>‹Nº›</a:t>
             </a:fld>
@@ -464,7 +464,7 @@
     </p:spTree>
     <p:extLst>
       <p:ext uri="{BB962C8B-B14F-4D97-AF65-F5344CB8AC3E}">
-        <p14:creationId xmlns:p14="http://schemas.microsoft.com/office/powerpoint/2010/main" val="4113770526"/>
+        <p14:creationId xmlns:p14="http://schemas.microsoft.com/office/powerpoint/2010/main" val="2577026761"/>
       </p:ext>
     </p:extLst>
   </p:cSld>
@@ -503,8 +503,8 @@
         </p:nvSpPr>
         <p:spPr>
           <a:xfrm>
-            <a:off x="7362771" y="479142"/>
-            <a:ext cx="2218477" cy="7626692"/>
+            <a:off x="8724900" y="325823"/>
+            <a:ext cx="2628900" cy="5186259"/>
           </a:xfrm>
         </p:spPr>
         <p:txBody>
@@ -531,8 +531,8 @@
         </p:nvSpPr>
         <p:spPr>
           <a:xfrm>
-            <a:off x="707341" y="479142"/>
-            <a:ext cx="6526823" cy="7626692"/>
+            <a:off x="838200" y="325823"/>
+            <a:ext cx="7734300" cy="5186259"/>
           </a:xfrm>
         </p:spPr>
         <p:txBody>
@@ -591,9 +591,9 @@
           <a:bodyPr/>
           <a:lstStyle/>
           <a:p>
-            <a:fld id="{1E0DF464-35CB-4278-A862-D2CEABA7376D}" type="datetimeFigureOut">
+            <a:fld id="{A58B04F7-F471-4340-860B-568D342C6269}" type="datetimeFigureOut">
               <a:rPr lang="es-MX" smtClean="0"/>
-              <a:t>27/05/2022</a:t>
+              <a:t>28/05/2022</a:t>
             </a:fld>
             <a:endParaRPr lang="es-MX"/>
           </a:p>
@@ -633,7 +633,7 @@
           <a:bodyPr/>
           <a:lstStyle/>
           <a:p>
-            <a:fld id="{562FDED8-6C96-4E2A-A426-5EC15C087259}" type="slidenum">
+            <a:fld id="{66CC36B8-9E3F-425B-85ED-60D9E1CB1753}" type="slidenum">
               <a:rPr lang="es-MX" smtClean="0"/>
               <a:t>‹Nº›</a:t>
             </a:fld>
@@ -644,7 +644,7 @@
     </p:spTree>
     <p:extLst>
       <p:ext uri="{BB962C8B-B14F-4D97-AF65-F5344CB8AC3E}">
-        <p14:creationId xmlns:p14="http://schemas.microsoft.com/office/powerpoint/2010/main" val="972069870"/>
+        <p14:creationId xmlns:p14="http://schemas.microsoft.com/office/powerpoint/2010/main" val="85373898"/>
       </p:ext>
     </p:extLst>
   </p:cSld>
@@ -761,9 +761,9 @@
           <a:bodyPr/>
           <a:lstStyle/>
           <a:p>
-            <a:fld id="{1E0DF464-35CB-4278-A862-D2CEABA7376D}" type="datetimeFigureOut">
+            <a:fld id="{A58B04F7-F471-4340-860B-568D342C6269}" type="datetimeFigureOut">
               <a:rPr lang="es-MX" smtClean="0"/>
-              <a:t>27/05/2022</a:t>
+              <a:t>28/05/2022</a:t>
             </a:fld>
             <a:endParaRPr lang="es-MX"/>
           </a:p>
@@ -803,7 +803,7 @@
           <a:bodyPr/>
           <a:lstStyle/>
           <a:p>
-            <a:fld id="{562FDED8-6C96-4E2A-A426-5EC15C087259}" type="slidenum">
+            <a:fld id="{66CC36B8-9E3F-425B-85ED-60D9E1CB1753}" type="slidenum">
               <a:rPr lang="es-MX" smtClean="0"/>
               <a:t>‹Nº›</a:t>
             </a:fld>
@@ -814,7 +814,7 @@
     </p:spTree>
     <p:extLst>
       <p:ext uri="{BB962C8B-B14F-4D97-AF65-F5344CB8AC3E}">
-        <p14:creationId xmlns:p14="http://schemas.microsoft.com/office/powerpoint/2010/main" val="1182579806"/>
+        <p14:creationId xmlns:p14="http://schemas.microsoft.com/office/powerpoint/2010/main" val="1663442739"/>
       </p:ext>
     </p:extLst>
   </p:cSld>
@@ -853,15 +853,15 @@
         </p:nvSpPr>
         <p:spPr>
           <a:xfrm>
-            <a:off x="701982" y="2243638"/>
-            <a:ext cx="8873907" cy="3743557"/>
+            <a:off x="831850" y="1525704"/>
+            <a:ext cx="10515600" cy="2545672"/>
           </a:xfrm>
         </p:spPr>
         <p:txBody>
           <a:bodyPr anchor="b"/>
           <a:lstStyle>
             <a:lvl1pPr>
-              <a:defRPr sz="6751"/>
+              <a:defRPr sz="5354"/>
             </a:lvl1pPr>
           </a:lstStyle>
           <a:p>
@@ -885,8 +885,8 @@
         </p:nvSpPr>
         <p:spPr>
           <a:xfrm>
-            <a:off x="701982" y="6022610"/>
-            <a:ext cx="8873907" cy="1968648"/>
+            <a:off x="831850" y="4095459"/>
+            <a:ext cx="10515600" cy="1338709"/>
           </a:xfrm>
         </p:spPr>
         <p:txBody>
@@ -894,15 +894,17 @@
           <a:lstStyle>
             <a:lvl1pPr marL="0" indent="0">
               <a:buNone/>
-              <a:defRPr sz="2700">
+              <a:defRPr sz="2142">
                 <a:solidFill>
-                  <a:schemeClr val="tx1"/>
+                  <a:schemeClr val="tx1">
+                    <a:tint val="75000"/>
+                  </a:schemeClr>
                 </a:solidFill>
               </a:defRPr>
             </a:lvl1pPr>
-            <a:lvl2pPr marL="514441" indent="0">
-              <a:buNone/>
-              <a:defRPr sz="2250">
+            <a:lvl2pPr marL="408005" indent="0">
+              <a:buNone/>
+              <a:defRPr sz="1785">
                 <a:solidFill>
                   <a:schemeClr val="tx1">
                     <a:tint val="75000"/>
@@ -910,9 +912,9 @@
                 </a:solidFill>
               </a:defRPr>
             </a:lvl2pPr>
-            <a:lvl3pPr marL="1028883" indent="0">
-              <a:buNone/>
-              <a:defRPr sz="2025">
+            <a:lvl3pPr marL="816011" indent="0">
+              <a:buNone/>
+              <a:defRPr sz="1606">
                 <a:solidFill>
                   <a:schemeClr val="tx1">
                     <a:tint val="75000"/>
@@ -920,9 +922,9 @@
                 </a:solidFill>
               </a:defRPr>
             </a:lvl3pPr>
-            <a:lvl4pPr marL="1543324" indent="0">
-              <a:buNone/>
-              <a:defRPr sz="1800">
+            <a:lvl4pPr marL="1224016" indent="0">
+              <a:buNone/>
+              <a:defRPr sz="1428">
                 <a:solidFill>
                   <a:schemeClr val="tx1">
                     <a:tint val="75000"/>
@@ -930,9 +932,9 @@
                 </a:solidFill>
               </a:defRPr>
             </a:lvl4pPr>
-            <a:lvl5pPr marL="2057766" indent="0">
-              <a:buNone/>
-              <a:defRPr sz="1800">
+            <a:lvl5pPr marL="1632021" indent="0">
+              <a:buNone/>
+              <a:defRPr sz="1428">
                 <a:solidFill>
                   <a:schemeClr val="tx1">
                     <a:tint val="75000"/>
@@ -940,9 +942,9 @@
                 </a:solidFill>
               </a:defRPr>
             </a:lvl5pPr>
-            <a:lvl6pPr marL="2572207" indent="0">
-              <a:buNone/>
-              <a:defRPr sz="1800">
+            <a:lvl6pPr marL="2040026" indent="0">
+              <a:buNone/>
+              <a:defRPr sz="1428">
                 <a:solidFill>
                   <a:schemeClr val="tx1">
                     <a:tint val="75000"/>
@@ -950,9 +952,9 @@
                 </a:solidFill>
               </a:defRPr>
             </a:lvl6pPr>
-            <a:lvl7pPr marL="3086649" indent="0">
-              <a:buNone/>
-              <a:defRPr sz="1800">
+            <a:lvl7pPr marL="2448032" indent="0">
+              <a:buNone/>
+              <a:defRPr sz="1428">
                 <a:solidFill>
                   <a:schemeClr val="tx1">
                     <a:tint val="75000"/>
@@ -960,9 +962,9 @@
                 </a:solidFill>
               </a:defRPr>
             </a:lvl7pPr>
-            <a:lvl8pPr marL="3601090" indent="0">
-              <a:buNone/>
-              <a:defRPr sz="1800">
+            <a:lvl8pPr marL="2856037" indent="0">
+              <a:buNone/>
+              <a:defRPr sz="1428">
                 <a:solidFill>
                   <a:schemeClr val="tx1">
                     <a:tint val="75000"/>
@@ -970,9 +972,9 @@
                 </a:solidFill>
               </a:defRPr>
             </a:lvl8pPr>
-            <a:lvl9pPr marL="4115532" indent="0">
-              <a:buNone/>
-              <a:defRPr sz="1800">
+            <a:lvl9pPr marL="3264042" indent="0">
+              <a:buNone/>
+              <a:defRPr sz="1428">
                 <a:solidFill>
                   <a:schemeClr val="tx1">
                     <a:tint val="75000"/>
@@ -1005,9 +1007,9 @@
           <a:bodyPr/>
           <a:lstStyle/>
           <a:p>
-            <a:fld id="{1E0DF464-35CB-4278-A862-D2CEABA7376D}" type="datetimeFigureOut">
+            <a:fld id="{A58B04F7-F471-4340-860B-568D342C6269}" type="datetimeFigureOut">
               <a:rPr lang="es-MX" smtClean="0"/>
-              <a:t>27/05/2022</a:t>
+              <a:t>28/05/2022</a:t>
             </a:fld>
             <a:endParaRPr lang="es-MX"/>
           </a:p>
@@ -1047,7 +1049,7 @@
           <a:bodyPr/>
           <a:lstStyle/>
           <a:p>
-            <a:fld id="{562FDED8-6C96-4E2A-A426-5EC15C087259}" type="slidenum">
+            <a:fld id="{66CC36B8-9E3F-425B-85ED-60D9E1CB1753}" type="slidenum">
               <a:rPr lang="es-MX" smtClean="0"/>
               <a:t>‹Nº›</a:t>
             </a:fld>
@@ -1058,7 +1060,7 @@
     </p:spTree>
     <p:extLst>
       <p:ext uri="{BB962C8B-B14F-4D97-AF65-F5344CB8AC3E}">
-        <p14:creationId xmlns:p14="http://schemas.microsoft.com/office/powerpoint/2010/main" val="2204447126"/>
+        <p14:creationId xmlns:p14="http://schemas.microsoft.com/office/powerpoint/2010/main" val="1285261415"/>
       </p:ext>
     </p:extLst>
   </p:cSld>
@@ -1120,8 +1122,8 @@
         </p:nvSpPr>
         <p:spPr>
           <a:xfrm>
-            <a:off x="707340" y="2395710"/>
-            <a:ext cx="4372650" cy="5710124"/>
+            <a:off x="838200" y="1629117"/>
+            <a:ext cx="5181600" cy="3882965"/>
           </a:xfrm>
         </p:spPr>
         <p:txBody>
@@ -1177,8 +1179,8 @@
         </p:nvSpPr>
         <p:spPr>
           <a:xfrm>
-            <a:off x="5208598" y="2395710"/>
-            <a:ext cx="4372650" cy="5710124"/>
+            <a:off x="6172200" y="1629117"/>
+            <a:ext cx="5181600" cy="3882965"/>
           </a:xfrm>
         </p:spPr>
         <p:txBody>
@@ -1237,9 +1239,9 @@
           <a:bodyPr/>
           <a:lstStyle/>
           <a:p>
-            <a:fld id="{1E0DF464-35CB-4278-A862-D2CEABA7376D}" type="datetimeFigureOut">
+            <a:fld id="{A58B04F7-F471-4340-860B-568D342C6269}" type="datetimeFigureOut">
               <a:rPr lang="es-MX" smtClean="0"/>
-              <a:t>27/05/2022</a:t>
+              <a:t>28/05/2022</a:t>
             </a:fld>
             <a:endParaRPr lang="es-MX"/>
           </a:p>
@@ -1279,7 +1281,7 @@
           <a:bodyPr/>
           <a:lstStyle/>
           <a:p>
-            <a:fld id="{562FDED8-6C96-4E2A-A426-5EC15C087259}" type="slidenum">
+            <a:fld id="{66CC36B8-9E3F-425B-85ED-60D9E1CB1753}" type="slidenum">
               <a:rPr lang="es-MX" smtClean="0"/>
               <a:t>‹Nº›</a:t>
             </a:fld>
@@ -1290,7 +1292,7 @@
     </p:spTree>
     <p:extLst>
       <p:ext uri="{BB962C8B-B14F-4D97-AF65-F5344CB8AC3E}">
-        <p14:creationId xmlns:p14="http://schemas.microsoft.com/office/powerpoint/2010/main" val="2581676876"/>
+        <p14:creationId xmlns:p14="http://schemas.microsoft.com/office/powerpoint/2010/main" val="4105915101"/>
       </p:ext>
     </p:extLst>
   </p:cSld>
@@ -1329,8 +1331,8 @@
         </p:nvSpPr>
         <p:spPr>
           <a:xfrm>
-            <a:off x="708681" y="479144"/>
-            <a:ext cx="8873907" cy="1739495"/>
+            <a:off x="839788" y="325824"/>
+            <a:ext cx="10515600" cy="1182881"/>
           </a:xfrm>
         </p:spPr>
         <p:txBody>
@@ -1357,8 +1359,8 @@
         </p:nvSpPr>
         <p:spPr>
           <a:xfrm>
-            <a:off x="708682" y="2206137"/>
-            <a:ext cx="4352554" cy="1081194"/>
+            <a:off x="839789" y="1500205"/>
+            <a:ext cx="5157787" cy="735227"/>
           </a:xfrm>
         </p:spPr>
         <p:txBody>
@@ -1366,39 +1368,39 @@
           <a:lstStyle>
             <a:lvl1pPr marL="0" indent="0">
               <a:buNone/>
-              <a:defRPr sz="2700" b="1"/>
+              <a:defRPr sz="2142" b="1"/>
             </a:lvl1pPr>
-            <a:lvl2pPr marL="514441" indent="0">
-              <a:buNone/>
-              <a:defRPr sz="2250" b="1"/>
+            <a:lvl2pPr marL="408005" indent="0">
+              <a:buNone/>
+              <a:defRPr sz="1785" b="1"/>
             </a:lvl2pPr>
-            <a:lvl3pPr marL="1028883" indent="0">
-              <a:buNone/>
-              <a:defRPr sz="2025" b="1"/>
+            <a:lvl3pPr marL="816011" indent="0">
+              <a:buNone/>
+              <a:defRPr sz="1606" b="1"/>
             </a:lvl3pPr>
-            <a:lvl4pPr marL="1543324" indent="0">
-              <a:buNone/>
-              <a:defRPr sz="1800" b="1"/>
+            <a:lvl4pPr marL="1224016" indent="0">
+              <a:buNone/>
+              <a:defRPr sz="1428" b="1"/>
             </a:lvl4pPr>
-            <a:lvl5pPr marL="2057766" indent="0">
-              <a:buNone/>
-              <a:defRPr sz="1800" b="1"/>
+            <a:lvl5pPr marL="1632021" indent="0">
+              <a:buNone/>
+              <a:defRPr sz="1428" b="1"/>
             </a:lvl5pPr>
-            <a:lvl6pPr marL="2572207" indent="0">
-              <a:buNone/>
-              <a:defRPr sz="1800" b="1"/>
+            <a:lvl6pPr marL="2040026" indent="0">
+              <a:buNone/>
+              <a:defRPr sz="1428" b="1"/>
             </a:lvl6pPr>
-            <a:lvl7pPr marL="3086649" indent="0">
-              <a:buNone/>
-              <a:defRPr sz="1800" b="1"/>
+            <a:lvl7pPr marL="2448032" indent="0">
+              <a:buNone/>
+              <a:defRPr sz="1428" b="1"/>
             </a:lvl7pPr>
-            <a:lvl8pPr marL="3601090" indent="0">
-              <a:buNone/>
-              <a:defRPr sz="1800" b="1"/>
+            <a:lvl8pPr marL="2856037" indent="0">
+              <a:buNone/>
+              <a:defRPr sz="1428" b="1"/>
             </a:lvl8pPr>
-            <a:lvl9pPr marL="4115532" indent="0">
-              <a:buNone/>
-              <a:defRPr sz="1800" b="1"/>
+            <a:lvl9pPr marL="3264042" indent="0">
+              <a:buNone/>
+              <a:defRPr sz="1428" b="1"/>
             </a:lvl9pPr>
           </a:lstStyle>
           <a:p>
@@ -1422,8 +1424,8 @@
         </p:nvSpPr>
         <p:spPr>
           <a:xfrm>
-            <a:off x="708682" y="3287331"/>
-            <a:ext cx="4352554" cy="4835169"/>
+            <a:off x="839789" y="2235432"/>
+            <a:ext cx="5157787" cy="3287983"/>
           </a:xfrm>
         </p:spPr>
         <p:txBody>
@@ -1479,8 +1481,8 @@
         </p:nvSpPr>
         <p:spPr>
           <a:xfrm>
-            <a:off x="5208598" y="2206137"/>
-            <a:ext cx="4373990" cy="1081194"/>
+            <a:off x="6172200" y="1500205"/>
+            <a:ext cx="5183188" cy="735227"/>
           </a:xfrm>
         </p:spPr>
         <p:txBody>
@@ -1488,39 +1490,39 @@
           <a:lstStyle>
             <a:lvl1pPr marL="0" indent="0">
               <a:buNone/>
-              <a:defRPr sz="2700" b="1"/>
+              <a:defRPr sz="2142" b="1"/>
             </a:lvl1pPr>
-            <a:lvl2pPr marL="514441" indent="0">
-              <a:buNone/>
-              <a:defRPr sz="2250" b="1"/>
+            <a:lvl2pPr marL="408005" indent="0">
+              <a:buNone/>
+              <a:defRPr sz="1785" b="1"/>
             </a:lvl2pPr>
-            <a:lvl3pPr marL="1028883" indent="0">
-              <a:buNone/>
-              <a:defRPr sz="2025" b="1"/>
+            <a:lvl3pPr marL="816011" indent="0">
+              <a:buNone/>
+              <a:defRPr sz="1606" b="1"/>
             </a:lvl3pPr>
-            <a:lvl4pPr marL="1543324" indent="0">
-              <a:buNone/>
-              <a:defRPr sz="1800" b="1"/>
+            <a:lvl4pPr marL="1224016" indent="0">
+              <a:buNone/>
+              <a:defRPr sz="1428" b="1"/>
             </a:lvl4pPr>
-            <a:lvl5pPr marL="2057766" indent="0">
-              <a:buNone/>
-              <a:defRPr sz="1800" b="1"/>
+            <a:lvl5pPr marL="1632021" indent="0">
+              <a:buNone/>
+              <a:defRPr sz="1428" b="1"/>
             </a:lvl5pPr>
-            <a:lvl6pPr marL="2572207" indent="0">
-              <a:buNone/>
-              <a:defRPr sz="1800" b="1"/>
+            <a:lvl6pPr marL="2040026" indent="0">
+              <a:buNone/>
+              <a:defRPr sz="1428" b="1"/>
             </a:lvl6pPr>
-            <a:lvl7pPr marL="3086649" indent="0">
-              <a:buNone/>
-              <a:defRPr sz="1800" b="1"/>
+            <a:lvl7pPr marL="2448032" indent="0">
+              <a:buNone/>
+              <a:defRPr sz="1428" b="1"/>
             </a:lvl7pPr>
-            <a:lvl8pPr marL="3601090" indent="0">
-              <a:buNone/>
-              <a:defRPr sz="1800" b="1"/>
+            <a:lvl8pPr marL="2856037" indent="0">
+              <a:buNone/>
+              <a:defRPr sz="1428" b="1"/>
             </a:lvl8pPr>
-            <a:lvl9pPr marL="4115532" indent="0">
-              <a:buNone/>
-              <a:defRPr sz="1800" b="1"/>
+            <a:lvl9pPr marL="3264042" indent="0">
+              <a:buNone/>
+              <a:defRPr sz="1428" b="1"/>
             </a:lvl9pPr>
           </a:lstStyle>
           <a:p>
@@ -1544,8 +1546,8 @@
         </p:nvSpPr>
         <p:spPr>
           <a:xfrm>
-            <a:off x="5208598" y="3287331"/>
-            <a:ext cx="4373990" cy="4835169"/>
+            <a:off x="6172200" y="2235432"/>
+            <a:ext cx="5183188" cy="3287983"/>
           </a:xfrm>
         </p:spPr>
         <p:txBody>
@@ -1604,9 +1606,9 @@
           <a:bodyPr/>
           <a:lstStyle/>
           <a:p>
-            <a:fld id="{1E0DF464-35CB-4278-A862-D2CEABA7376D}" type="datetimeFigureOut">
+            <a:fld id="{A58B04F7-F471-4340-860B-568D342C6269}" type="datetimeFigureOut">
               <a:rPr lang="es-MX" smtClean="0"/>
-              <a:t>27/05/2022</a:t>
+              <a:t>28/05/2022</a:t>
             </a:fld>
             <a:endParaRPr lang="es-MX"/>
           </a:p>
@@ -1646,7 +1648,7 @@
           <a:bodyPr/>
           <a:lstStyle/>
           <a:p>
-            <a:fld id="{562FDED8-6C96-4E2A-A426-5EC15C087259}" type="slidenum">
+            <a:fld id="{66CC36B8-9E3F-425B-85ED-60D9E1CB1753}" type="slidenum">
               <a:rPr lang="es-MX" smtClean="0"/>
               <a:t>‹Nº›</a:t>
             </a:fld>
@@ -1657,7 +1659,7 @@
     </p:spTree>
     <p:extLst>
       <p:ext uri="{BB962C8B-B14F-4D97-AF65-F5344CB8AC3E}">
-        <p14:creationId xmlns:p14="http://schemas.microsoft.com/office/powerpoint/2010/main" val="2195381457"/>
+        <p14:creationId xmlns:p14="http://schemas.microsoft.com/office/powerpoint/2010/main" val="2469011632"/>
       </p:ext>
     </p:extLst>
   </p:cSld>
@@ -1722,9 +1724,9 @@
           <a:bodyPr/>
           <a:lstStyle/>
           <a:p>
-            <a:fld id="{1E0DF464-35CB-4278-A862-D2CEABA7376D}" type="datetimeFigureOut">
+            <a:fld id="{A58B04F7-F471-4340-860B-568D342C6269}" type="datetimeFigureOut">
               <a:rPr lang="es-MX" smtClean="0"/>
-              <a:t>27/05/2022</a:t>
+              <a:t>28/05/2022</a:t>
             </a:fld>
             <a:endParaRPr lang="es-MX"/>
           </a:p>
@@ -1764,7 +1766,7 @@
           <a:bodyPr/>
           <a:lstStyle/>
           <a:p>
-            <a:fld id="{562FDED8-6C96-4E2A-A426-5EC15C087259}" type="slidenum">
+            <a:fld id="{66CC36B8-9E3F-425B-85ED-60D9E1CB1753}" type="slidenum">
               <a:rPr lang="es-MX" smtClean="0"/>
               <a:t>‹Nº›</a:t>
             </a:fld>
@@ -1775,7 +1777,7 @@
     </p:spTree>
     <p:extLst>
       <p:ext uri="{BB962C8B-B14F-4D97-AF65-F5344CB8AC3E}">
-        <p14:creationId xmlns:p14="http://schemas.microsoft.com/office/powerpoint/2010/main" val="395858277"/>
+        <p14:creationId xmlns:p14="http://schemas.microsoft.com/office/powerpoint/2010/main" val="437571504"/>
       </p:ext>
     </p:extLst>
   </p:cSld>
@@ -1817,9 +1819,9 @@
           <a:bodyPr/>
           <a:lstStyle/>
           <a:p>
-            <a:fld id="{1E0DF464-35CB-4278-A862-D2CEABA7376D}" type="datetimeFigureOut">
+            <a:fld id="{A58B04F7-F471-4340-860B-568D342C6269}" type="datetimeFigureOut">
               <a:rPr lang="es-MX" smtClean="0"/>
-              <a:t>27/05/2022</a:t>
+              <a:t>28/05/2022</a:t>
             </a:fld>
             <a:endParaRPr lang="es-MX"/>
           </a:p>
@@ -1859,7 +1861,7 @@
           <a:bodyPr/>
           <a:lstStyle/>
           <a:p>
-            <a:fld id="{562FDED8-6C96-4E2A-A426-5EC15C087259}" type="slidenum">
+            <a:fld id="{66CC36B8-9E3F-425B-85ED-60D9E1CB1753}" type="slidenum">
               <a:rPr lang="es-MX" smtClean="0"/>
               <a:t>‹Nº›</a:t>
             </a:fld>
@@ -1870,7 +1872,7 @@
     </p:spTree>
     <p:extLst>
       <p:ext uri="{BB962C8B-B14F-4D97-AF65-F5344CB8AC3E}">
-        <p14:creationId xmlns:p14="http://schemas.microsoft.com/office/powerpoint/2010/main" val="111047245"/>
+        <p14:creationId xmlns:p14="http://schemas.microsoft.com/office/powerpoint/2010/main" val="3440632324"/>
       </p:ext>
     </p:extLst>
   </p:cSld>
@@ -1909,15 +1911,15 @@
         </p:nvSpPr>
         <p:spPr>
           <a:xfrm>
-            <a:off x="708681" y="599969"/>
-            <a:ext cx="3318337" cy="2099892"/>
+            <a:off x="839789" y="407988"/>
+            <a:ext cx="3932237" cy="1427956"/>
           </a:xfrm>
         </p:spPr>
         <p:txBody>
           <a:bodyPr anchor="b"/>
           <a:lstStyle>
             <a:lvl1pPr>
-              <a:defRPr sz="3601"/>
+              <a:defRPr sz="2856"/>
             </a:lvl1pPr>
           </a:lstStyle>
           <a:p>
@@ -1941,39 +1943,39 @@
         </p:nvSpPr>
         <p:spPr>
           <a:xfrm>
-            <a:off x="4373990" y="1295769"/>
-            <a:ext cx="5208598" cy="6395505"/>
+            <a:off x="5183188" y="881140"/>
+            <a:ext cx="6172200" cy="4349034"/>
           </a:xfrm>
         </p:spPr>
         <p:txBody>
           <a:bodyPr/>
           <a:lstStyle>
             <a:lvl1pPr>
-              <a:defRPr sz="3601"/>
+              <a:defRPr sz="2856"/>
             </a:lvl1pPr>
             <a:lvl2pPr>
-              <a:defRPr sz="3151"/>
+              <a:defRPr sz="2499"/>
             </a:lvl2pPr>
             <a:lvl3pPr>
-              <a:defRPr sz="2700"/>
+              <a:defRPr sz="2142"/>
             </a:lvl3pPr>
             <a:lvl4pPr>
-              <a:defRPr sz="2250"/>
+              <a:defRPr sz="1785"/>
             </a:lvl4pPr>
             <a:lvl5pPr>
-              <a:defRPr sz="2250"/>
+              <a:defRPr sz="1785"/>
             </a:lvl5pPr>
             <a:lvl6pPr>
-              <a:defRPr sz="2250"/>
+              <a:defRPr sz="1785"/>
             </a:lvl6pPr>
             <a:lvl7pPr>
-              <a:defRPr sz="2250"/>
+              <a:defRPr sz="1785"/>
             </a:lvl7pPr>
             <a:lvl8pPr>
-              <a:defRPr sz="2250"/>
+              <a:defRPr sz="1785"/>
             </a:lvl8pPr>
             <a:lvl9pPr>
-              <a:defRPr sz="2250"/>
+              <a:defRPr sz="1785"/>
             </a:lvl9pPr>
           </a:lstStyle>
           <a:p>
@@ -2026,8 +2028,8 @@
         </p:nvSpPr>
         <p:spPr>
           <a:xfrm>
-            <a:off x="708681" y="2699862"/>
-            <a:ext cx="3318337" cy="5001827"/>
+            <a:off x="839789" y="1835944"/>
+            <a:ext cx="3932237" cy="3401313"/>
           </a:xfrm>
         </p:spPr>
         <p:txBody>
@@ -2035,39 +2037,39 @@
           <a:lstStyle>
             <a:lvl1pPr marL="0" indent="0">
               <a:buNone/>
-              <a:defRPr sz="1800"/>
+              <a:defRPr sz="1428"/>
             </a:lvl1pPr>
-            <a:lvl2pPr marL="514441" indent="0">
-              <a:buNone/>
-              <a:defRPr sz="1575"/>
+            <a:lvl2pPr marL="408005" indent="0">
+              <a:buNone/>
+              <a:defRPr sz="1249"/>
             </a:lvl2pPr>
-            <a:lvl3pPr marL="1028883" indent="0">
-              <a:buNone/>
-              <a:defRPr sz="1350"/>
+            <a:lvl3pPr marL="816011" indent="0">
+              <a:buNone/>
+              <a:defRPr sz="1071"/>
             </a:lvl3pPr>
-            <a:lvl4pPr marL="1543324" indent="0">
-              <a:buNone/>
-              <a:defRPr sz="1125"/>
+            <a:lvl4pPr marL="1224016" indent="0">
+              <a:buNone/>
+              <a:defRPr sz="892"/>
             </a:lvl4pPr>
-            <a:lvl5pPr marL="2057766" indent="0">
-              <a:buNone/>
-              <a:defRPr sz="1125"/>
+            <a:lvl5pPr marL="1632021" indent="0">
+              <a:buNone/>
+              <a:defRPr sz="892"/>
             </a:lvl5pPr>
-            <a:lvl6pPr marL="2572207" indent="0">
-              <a:buNone/>
-              <a:defRPr sz="1125"/>
+            <a:lvl6pPr marL="2040026" indent="0">
+              <a:buNone/>
+              <a:defRPr sz="892"/>
             </a:lvl6pPr>
-            <a:lvl7pPr marL="3086649" indent="0">
-              <a:buNone/>
-              <a:defRPr sz="1125"/>
+            <a:lvl7pPr marL="2448032" indent="0">
+              <a:buNone/>
+              <a:defRPr sz="892"/>
             </a:lvl7pPr>
-            <a:lvl8pPr marL="3601090" indent="0">
-              <a:buNone/>
-              <a:defRPr sz="1125"/>
+            <a:lvl8pPr marL="2856037" indent="0">
+              <a:buNone/>
+              <a:defRPr sz="892"/>
             </a:lvl8pPr>
-            <a:lvl9pPr marL="4115532" indent="0">
-              <a:buNone/>
-              <a:defRPr sz="1125"/>
+            <a:lvl9pPr marL="3264042" indent="0">
+              <a:buNone/>
+              <a:defRPr sz="892"/>
             </a:lvl9pPr>
           </a:lstStyle>
           <a:p>
@@ -2094,9 +2096,9 @@
           <a:bodyPr/>
           <a:lstStyle/>
           <a:p>
-            <a:fld id="{1E0DF464-35CB-4278-A862-D2CEABA7376D}" type="datetimeFigureOut">
+            <a:fld id="{A58B04F7-F471-4340-860B-568D342C6269}" type="datetimeFigureOut">
               <a:rPr lang="es-MX" smtClean="0"/>
-              <a:t>27/05/2022</a:t>
+              <a:t>28/05/2022</a:t>
             </a:fld>
             <a:endParaRPr lang="es-MX"/>
           </a:p>
@@ -2136,7 +2138,7 @@
           <a:bodyPr/>
           <a:lstStyle/>
           <a:p>
-            <a:fld id="{562FDED8-6C96-4E2A-A426-5EC15C087259}" type="slidenum">
+            <a:fld id="{66CC36B8-9E3F-425B-85ED-60D9E1CB1753}" type="slidenum">
               <a:rPr lang="es-MX" smtClean="0"/>
               <a:t>‹Nº›</a:t>
             </a:fld>
@@ -2147,7 +2149,7 @@
     </p:spTree>
     <p:extLst>
       <p:ext uri="{BB962C8B-B14F-4D97-AF65-F5344CB8AC3E}">
-        <p14:creationId xmlns:p14="http://schemas.microsoft.com/office/powerpoint/2010/main" val="3715921224"/>
+        <p14:creationId xmlns:p14="http://schemas.microsoft.com/office/powerpoint/2010/main" val="3167960900"/>
       </p:ext>
     </p:extLst>
   </p:cSld>
@@ -2186,15 +2188,15 @@
         </p:nvSpPr>
         <p:spPr>
           <a:xfrm>
-            <a:off x="708681" y="599969"/>
-            <a:ext cx="3318337" cy="2099892"/>
+            <a:off x="839789" y="407988"/>
+            <a:ext cx="3932237" cy="1427956"/>
           </a:xfrm>
         </p:spPr>
         <p:txBody>
           <a:bodyPr anchor="b"/>
           <a:lstStyle>
             <a:lvl1pPr>
-              <a:defRPr sz="3601"/>
+              <a:defRPr sz="2856"/>
             </a:lvl1pPr>
           </a:lstStyle>
           <a:p>
@@ -2218,8 +2220,8 @@
         </p:nvSpPr>
         <p:spPr>
           <a:xfrm>
-            <a:off x="4373990" y="1295769"/>
-            <a:ext cx="5208598" cy="6395505"/>
+            <a:off x="5183188" y="881140"/>
+            <a:ext cx="6172200" cy="4349034"/>
           </a:xfrm>
         </p:spPr>
         <p:txBody>
@@ -2227,39 +2229,39 @@
           <a:lstStyle>
             <a:lvl1pPr marL="0" indent="0">
               <a:buNone/>
-              <a:defRPr sz="3601"/>
+              <a:defRPr sz="2856"/>
             </a:lvl1pPr>
-            <a:lvl2pPr marL="514441" indent="0">
-              <a:buNone/>
-              <a:defRPr sz="3151"/>
+            <a:lvl2pPr marL="408005" indent="0">
+              <a:buNone/>
+              <a:defRPr sz="2499"/>
             </a:lvl2pPr>
-            <a:lvl3pPr marL="1028883" indent="0">
-              <a:buNone/>
-              <a:defRPr sz="2700"/>
+            <a:lvl3pPr marL="816011" indent="0">
+              <a:buNone/>
+              <a:defRPr sz="2142"/>
             </a:lvl3pPr>
-            <a:lvl4pPr marL="1543324" indent="0">
-              <a:buNone/>
-              <a:defRPr sz="2250"/>
+            <a:lvl4pPr marL="1224016" indent="0">
+              <a:buNone/>
+              <a:defRPr sz="1785"/>
             </a:lvl4pPr>
-            <a:lvl5pPr marL="2057766" indent="0">
-              <a:buNone/>
-              <a:defRPr sz="2250"/>
+            <a:lvl5pPr marL="1632021" indent="0">
+              <a:buNone/>
+              <a:defRPr sz="1785"/>
             </a:lvl5pPr>
-            <a:lvl6pPr marL="2572207" indent="0">
-              <a:buNone/>
-              <a:defRPr sz="2250"/>
+            <a:lvl6pPr marL="2040026" indent="0">
+              <a:buNone/>
+              <a:defRPr sz="1785"/>
             </a:lvl6pPr>
-            <a:lvl7pPr marL="3086649" indent="0">
-              <a:buNone/>
-              <a:defRPr sz="2250"/>
+            <a:lvl7pPr marL="2448032" indent="0">
+              <a:buNone/>
+              <a:defRPr sz="1785"/>
             </a:lvl7pPr>
-            <a:lvl8pPr marL="3601090" indent="0">
-              <a:buNone/>
-              <a:defRPr sz="2250"/>
+            <a:lvl8pPr marL="2856037" indent="0">
+              <a:buNone/>
+              <a:defRPr sz="1785"/>
             </a:lvl8pPr>
-            <a:lvl9pPr marL="4115532" indent="0">
-              <a:buNone/>
-              <a:defRPr sz="2250"/>
+            <a:lvl9pPr marL="3264042" indent="0">
+              <a:buNone/>
+              <a:defRPr sz="1785"/>
             </a:lvl9pPr>
           </a:lstStyle>
           <a:p>
@@ -2283,8 +2285,8 @@
         </p:nvSpPr>
         <p:spPr>
           <a:xfrm>
-            <a:off x="708681" y="2699862"/>
-            <a:ext cx="3318337" cy="5001827"/>
+            <a:off x="839789" y="1835944"/>
+            <a:ext cx="3932237" cy="3401313"/>
           </a:xfrm>
         </p:spPr>
         <p:txBody>
@@ -2292,39 +2294,39 @@
           <a:lstStyle>
             <a:lvl1pPr marL="0" indent="0">
               <a:buNone/>
-              <a:defRPr sz="1800"/>
+              <a:defRPr sz="1428"/>
             </a:lvl1pPr>
-            <a:lvl2pPr marL="514441" indent="0">
-              <a:buNone/>
-              <a:defRPr sz="1575"/>
+            <a:lvl2pPr marL="408005" indent="0">
+              <a:buNone/>
+              <a:defRPr sz="1249"/>
             </a:lvl2pPr>
-            <a:lvl3pPr marL="1028883" indent="0">
-              <a:buNone/>
-              <a:defRPr sz="1350"/>
+            <a:lvl3pPr marL="816011" indent="0">
+              <a:buNone/>
+              <a:defRPr sz="1071"/>
             </a:lvl3pPr>
-            <a:lvl4pPr marL="1543324" indent="0">
-              <a:buNone/>
-              <a:defRPr sz="1125"/>
+            <a:lvl4pPr marL="1224016" indent="0">
+              <a:buNone/>
+              <a:defRPr sz="892"/>
             </a:lvl4pPr>
-            <a:lvl5pPr marL="2057766" indent="0">
-              <a:buNone/>
-              <a:defRPr sz="1125"/>
+            <a:lvl5pPr marL="1632021" indent="0">
+              <a:buNone/>
+              <a:defRPr sz="892"/>
             </a:lvl5pPr>
-            <a:lvl6pPr marL="2572207" indent="0">
-              <a:buNone/>
-              <a:defRPr sz="1125"/>
+            <a:lvl6pPr marL="2040026" indent="0">
+              <a:buNone/>
+              <a:defRPr sz="892"/>
             </a:lvl6pPr>
-            <a:lvl7pPr marL="3086649" indent="0">
-              <a:buNone/>
-              <a:defRPr sz="1125"/>
+            <a:lvl7pPr marL="2448032" indent="0">
+              <a:buNone/>
+              <a:defRPr sz="892"/>
             </a:lvl7pPr>
-            <a:lvl8pPr marL="3601090" indent="0">
-              <a:buNone/>
-              <a:defRPr sz="1125"/>
+            <a:lvl8pPr marL="2856037" indent="0">
+              <a:buNone/>
+              <a:defRPr sz="892"/>
             </a:lvl8pPr>
-            <a:lvl9pPr marL="4115532" indent="0">
-              <a:buNone/>
-              <a:defRPr sz="1125"/>
+            <a:lvl9pPr marL="3264042" indent="0">
+              <a:buNone/>
+              <a:defRPr sz="892"/>
             </a:lvl9pPr>
           </a:lstStyle>
           <a:p>
@@ -2351,9 +2353,9 @@
           <a:bodyPr/>
           <a:lstStyle/>
           <a:p>
-            <a:fld id="{1E0DF464-35CB-4278-A862-D2CEABA7376D}" type="datetimeFigureOut">
+            <a:fld id="{A58B04F7-F471-4340-860B-568D342C6269}" type="datetimeFigureOut">
               <a:rPr lang="es-MX" smtClean="0"/>
-              <a:t>27/05/2022</a:t>
+              <a:t>28/05/2022</a:t>
             </a:fld>
             <a:endParaRPr lang="es-MX"/>
           </a:p>
@@ -2393,7 +2395,7 @@
           <a:bodyPr/>
           <a:lstStyle/>
           <a:p>
-            <a:fld id="{562FDED8-6C96-4E2A-A426-5EC15C087259}" type="slidenum">
+            <a:fld id="{66CC36B8-9E3F-425B-85ED-60D9E1CB1753}" type="slidenum">
               <a:rPr lang="es-MX" smtClean="0"/>
               <a:t>‹Nº›</a:t>
             </a:fld>
@@ -2404,7 +2406,7 @@
     </p:spTree>
     <p:extLst>
       <p:ext uri="{BB962C8B-B14F-4D97-AF65-F5344CB8AC3E}">
-        <p14:creationId xmlns:p14="http://schemas.microsoft.com/office/powerpoint/2010/main" val="3728783875"/>
+        <p14:creationId xmlns:p14="http://schemas.microsoft.com/office/powerpoint/2010/main" val="3898204477"/>
       </p:ext>
     </p:extLst>
   </p:cSld>
@@ -2448,8 +2450,8 @@
         </p:nvSpPr>
         <p:spPr>
           <a:xfrm>
-            <a:off x="707341" y="479144"/>
-            <a:ext cx="8873907" cy="1739495"/>
+            <a:off x="838200" y="325824"/>
+            <a:ext cx="10515600" cy="1182881"/>
           </a:xfrm>
           <a:prstGeom prst="rect">
             <a:avLst/>
@@ -2481,8 +2483,8 @@
         </p:nvSpPr>
         <p:spPr>
           <a:xfrm>
-            <a:off x="707341" y="2395710"/>
-            <a:ext cx="8873907" cy="5710124"/>
+            <a:off x="838200" y="1629117"/>
+            <a:ext cx="10515600" cy="3882965"/>
           </a:xfrm>
           <a:prstGeom prst="rect">
             <a:avLst/>
@@ -2543,8 +2545,8 @@
         </p:nvSpPr>
         <p:spPr>
           <a:xfrm>
-            <a:off x="707341" y="8341240"/>
-            <a:ext cx="2314932" cy="479142"/>
+            <a:off x="838200" y="5672161"/>
+            <a:ext cx="2743200" cy="325823"/>
           </a:xfrm>
           <a:prstGeom prst="rect">
             <a:avLst/>
@@ -2554,7 +2556,7 @@
           <a:bodyPr vert="horz" lIns="91440" tIns="45720" rIns="91440" bIns="45720" rtlCol="0" anchor="ctr"/>
           <a:lstStyle>
             <a:lvl1pPr algn="l">
-              <a:defRPr sz="1350">
+              <a:defRPr sz="1071">
                 <a:solidFill>
                   <a:schemeClr val="tx1">
                     <a:tint val="75000"/>
@@ -2564,9 +2566,9 @@
             </a:lvl1pPr>
           </a:lstStyle>
           <a:p>
-            <a:fld id="{1E0DF464-35CB-4278-A862-D2CEABA7376D}" type="datetimeFigureOut">
+            <a:fld id="{A58B04F7-F471-4340-860B-568D342C6269}" type="datetimeFigureOut">
               <a:rPr lang="es-MX" smtClean="0"/>
-              <a:t>27/05/2022</a:t>
+              <a:t>28/05/2022</a:t>
             </a:fld>
             <a:endParaRPr lang="es-MX"/>
           </a:p>
@@ -2584,8 +2586,8 @@
         </p:nvSpPr>
         <p:spPr>
           <a:xfrm>
-            <a:off x="3408095" y="8341240"/>
-            <a:ext cx="3472398" cy="479142"/>
+            <a:off x="4038600" y="5672161"/>
+            <a:ext cx="4114800" cy="325823"/>
           </a:xfrm>
           <a:prstGeom prst="rect">
             <a:avLst/>
@@ -2595,7 +2597,7 @@
           <a:bodyPr vert="horz" lIns="91440" tIns="45720" rIns="91440" bIns="45720" rtlCol="0" anchor="ctr"/>
           <a:lstStyle>
             <a:lvl1pPr algn="ctr">
-              <a:defRPr sz="1350">
+              <a:defRPr sz="1071">
                 <a:solidFill>
                   <a:schemeClr val="tx1">
                     <a:tint val="75000"/>
@@ -2621,8 +2623,8 @@
         </p:nvSpPr>
         <p:spPr>
           <a:xfrm>
-            <a:off x="7266315" y="8341240"/>
-            <a:ext cx="2314932" cy="479142"/>
+            <a:off x="8610600" y="5672161"/>
+            <a:ext cx="2743200" cy="325823"/>
           </a:xfrm>
           <a:prstGeom prst="rect">
             <a:avLst/>
@@ -2632,7 +2634,7 @@
           <a:bodyPr vert="horz" lIns="91440" tIns="45720" rIns="91440" bIns="45720" rtlCol="0" anchor="ctr"/>
           <a:lstStyle>
             <a:lvl1pPr algn="r">
-              <a:defRPr sz="1350">
+              <a:defRPr sz="1071">
                 <a:solidFill>
                   <a:schemeClr val="tx1">
                     <a:tint val="75000"/>
@@ -2642,7 +2644,7 @@
             </a:lvl1pPr>
           </a:lstStyle>
           <a:p>
-            <a:fld id="{562FDED8-6C96-4E2A-A426-5EC15C087259}" type="slidenum">
+            <a:fld id="{66CC36B8-9E3F-425B-85ED-60D9E1CB1753}" type="slidenum">
               <a:rPr lang="es-MX" smtClean="0"/>
               <a:t>‹Nº›</a:t>
             </a:fld>
@@ -2653,27 +2655,27 @@
     </p:spTree>
     <p:extLst>
       <p:ext uri="{BB962C8B-B14F-4D97-AF65-F5344CB8AC3E}">
-        <p14:creationId xmlns:p14="http://schemas.microsoft.com/office/powerpoint/2010/main" val="3458145530"/>
+        <p14:creationId xmlns:p14="http://schemas.microsoft.com/office/powerpoint/2010/main" val="853502801"/>
       </p:ext>
     </p:extLst>
   </p:cSld>
   <p:clrMap bg1="lt1" tx1="dk1" bg2="lt2" tx2="dk2" accent1="accent1" accent2="accent2" accent3="accent3" accent4="accent4" accent5="accent5" accent6="accent6" hlink="hlink" folHlink="folHlink"/>
   <p:sldLayoutIdLst>
-    <p:sldLayoutId id="2147483685" r:id="rId1"/>
-    <p:sldLayoutId id="2147483686" r:id="rId2"/>
-    <p:sldLayoutId id="2147483687" r:id="rId3"/>
-    <p:sldLayoutId id="2147483688" r:id="rId4"/>
-    <p:sldLayoutId id="2147483689" r:id="rId5"/>
-    <p:sldLayoutId id="2147483690" r:id="rId6"/>
-    <p:sldLayoutId id="2147483691" r:id="rId7"/>
-    <p:sldLayoutId id="2147483692" r:id="rId8"/>
-    <p:sldLayoutId id="2147483693" r:id="rId9"/>
-    <p:sldLayoutId id="2147483694" r:id="rId10"/>
-    <p:sldLayoutId id="2147483695" r:id="rId11"/>
+    <p:sldLayoutId id="2147483673" r:id="rId1"/>
+    <p:sldLayoutId id="2147483674" r:id="rId2"/>
+    <p:sldLayoutId id="2147483675" r:id="rId3"/>
+    <p:sldLayoutId id="2147483676" r:id="rId4"/>
+    <p:sldLayoutId id="2147483677" r:id="rId5"/>
+    <p:sldLayoutId id="2147483678" r:id="rId6"/>
+    <p:sldLayoutId id="2147483679" r:id="rId7"/>
+    <p:sldLayoutId id="2147483680" r:id="rId8"/>
+    <p:sldLayoutId id="2147483681" r:id="rId9"/>
+    <p:sldLayoutId id="2147483682" r:id="rId10"/>
+    <p:sldLayoutId id="2147483683" r:id="rId11"/>
   </p:sldLayoutIdLst>
   <p:txStyles>
     <p:titleStyle>
-      <a:lvl1pPr algn="l" defTabSz="1028883" rtl="0" eaLnBrk="1" latinLnBrk="0" hangingPunct="1">
+      <a:lvl1pPr algn="l" defTabSz="816011" rtl="0" eaLnBrk="1" latinLnBrk="0" hangingPunct="1">
         <a:lnSpc>
           <a:spcPct val="90000"/>
         </a:lnSpc>
@@ -2681,7 +2683,7 @@
           <a:spcPct val="0"/>
         </a:spcBef>
         <a:buNone/>
-        <a:defRPr sz="4951" kern="1200">
+        <a:defRPr sz="3927" kern="1200">
           <a:solidFill>
             <a:schemeClr val="tx1"/>
           </a:solidFill>
@@ -2692,16 +2694,16 @@
       </a:lvl1pPr>
     </p:titleStyle>
     <p:bodyStyle>
-      <a:lvl1pPr marL="257221" indent="-257221" algn="l" defTabSz="1028883" rtl="0" eaLnBrk="1" latinLnBrk="0" hangingPunct="1">
+      <a:lvl1pPr marL="204003" indent="-204003" algn="l" defTabSz="816011" rtl="0" eaLnBrk="1" latinLnBrk="0" hangingPunct="1">
         <a:lnSpc>
           <a:spcPct val="90000"/>
         </a:lnSpc>
         <a:spcBef>
-          <a:spcPts val="1125"/>
+          <a:spcPts val="892"/>
         </a:spcBef>
         <a:buFont typeface="Arial" panose="020B0604020202020204" pitchFamily="34" charset="0"/>
         <a:buChar char="•"/>
-        <a:defRPr sz="3151" kern="1200">
+        <a:defRPr sz="2499" kern="1200">
           <a:solidFill>
             <a:schemeClr val="tx1"/>
           </a:solidFill>
@@ -2710,16 +2712,16 @@
           <a:cs typeface="+mn-cs"/>
         </a:defRPr>
       </a:lvl1pPr>
-      <a:lvl2pPr marL="771662" indent="-257221" algn="l" defTabSz="1028883" rtl="0" eaLnBrk="1" latinLnBrk="0" hangingPunct="1">
+      <a:lvl2pPr marL="612008" indent="-204003" algn="l" defTabSz="816011" rtl="0" eaLnBrk="1" latinLnBrk="0" hangingPunct="1">
         <a:lnSpc>
           <a:spcPct val="90000"/>
         </a:lnSpc>
         <a:spcBef>
-          <a:spcPts val="563"/>
+          <a:spcPts val="446"/>
         </a:spcBef>
         <a:buFont typeface="Arial" panose="020B0604020202020204" pitchFamily="34" charset="0"/>
         <a:buChar char="•"/>
-        <a:defRPr sz="2700" kern="1200">
+        <a:defRPr sz="2142" kern="1200">
           <a:solidFill>
             <a:schemeClr val="tx1"/>
           </a:solidFill>
@@ -2728,16 +2730,16 @@
           <a:cs typeface="+mn-cs"/>
         </a:defRPr>
       </a:lvl2pPr>
-      <a:lvl3pPr marL="1286104" indent="-257221" algn="l" defTabSz="1028883" rtl="0" eaLnBrk="1" latinLnBrk="0" hangingPunct="1">
+      <a:lvl3pPr marL="1020013" indent="-204003" algn="l" defTabSz="816011" rtl="0" eaLnBrk="1" latinLnBrk="0" hangingPunct="1">
         <a:lnSpc>
           <a:spcPct val="90000"/>
         </a:lnSpc>
         <a:spcBef>
-          <a:spcPts val="563"/>
+          <a:spcPts val="446"/>
         </a:spcBef>
         <a:buFont typeface="Arial" panose="020B0604020202020204" pitchFamily="34" charset="0"/>
         <a:buChar char="•"/>
-        <a:defRPr sz="2250" kern="1200">
+        <a:defRPr sz="1785" kern="1200">
           <a:solidFill>
             <a:schemeClr val="tx1"/>
           </a:solidFill>
@@ -2746,16 +2748,16 @@
           <a:cs typeface="+mn-cs"/>
         </a:defRPr>
       </a:lvl3pPr>
-      <a:lvl4pPr marL="1800545" indent="-257221" algn="l" defTabSz="1028883" rtl="0" eaLnBrk="1" latinLnBrk="0" hangingPunct="1">
+      <a:lvl4pPr marL="1428018" indent="-204003" algn="l" defTabSz="816011" rtl="0" eaLnBrk="1" latinLnBrk="0" hangingPunct="1">
         <a:lnSpc>
           <a:spcPct val="90000"/>
         </a:lnSpc>
         <a:spcBef>
-          <a:spcPts val="563"/>
+          <a:spcPts val="446"/>
         </a:spcBef>
         <a:buFont typeface="Arial" panose="020B0604020202020204" pitchFamily="34" charset="0"/>
         <a:buChar char="•"/>
-        <a:defRPr sz="2025" kern="1200">
+        <a:defRPr sz="1606" kern="1200">
           <a:solidFill>
             <a:schemeClr val="tx1"/>
           </a:solidFill>
@@ -2764,16 +2766,16 @@
           <a:cs typeface="+mn-cs"/>
         </a:defRPr>
       </a:lvl4pPr>
-      <a:lvl5pPr marL="2314986" indent="-257221" algn="l" defTabSz="1028883" rtl="0" eaLnBrk="1" latinLnBrk="0" hangingPunct="1">
+      <a:lvl5pPr marL="1836024" indent="-204003" algn="l" defTabSz="816011" rtl="0" eaLnBrk="1" latinLnBrk="0" hangingPunct="1">
         <a:lnSpc>
           <a:spcPct val="90000"/>
         </a:lnSpc>
         <a:spcBef>
-          <a:spcPts val="563"/>
+          <a:spcPts val="446"/>
         </a:spcBef>
         <a:buFont typeface="Arial" panose="020B0604020202020204" pitchFamily="34" charset="0"/>
         <a:buChar char="•"/>
-        <a:defRPr sz="2025" kern="1200">
+        <a:defRPr sz="1606" kern="1200">
           <a:solidFill>
             <a:schemeClr val="tx1"/>
           </a:solidFill>
@@ -2782,16 +2784,16 @@
           <a:cs typeface="+mn-cs"/>
         </a:defRPr>
       </a:lvl5pPr>
-      <a:lvl6pPr marL="2829428" indent="-257221" algn="l" defTabSz="1028883" rtl="0" eaLnBrk="1" latinLnBrk="0" hangingPunct="1">
+      <a:lvl6pPr marL="2244029" indent="-204003" algn="l" defTabSz="816011" rtl="0" eaLnBrk="1" latinLnBrk="0" hangingPunct="1">
         <a:lnSpc>
           <a:spcPct val="90000"/>
         </a:lnSpc>
         <a:spcBef>
-          <a:spcPts val="563"/>
+          <a:spcPts val="446"/>
         </a:spcBef>
         <a:buFont typeface="Arial" panose="020B0604020202020204" pitchFamily="34" charset="0"/>
         <a:buChar char="•"/>
-        <a:defRPr sz="2025" kern="1200">
+        <a:defRPr sz="1606" kern="1200">
           <a:solidFill>
             <a:schemeClr val="tx1"/>
           </a:solidFill>
@@ -2800,16 +2802,16 @@
           <a:cs typeface="+mn-cs"/>
         </a:defRPr>
       </a:lvl6pPr>
-      <a:lvl7pPr marL="3343869" indent="-257221" algn="l" defTabSz="1028883" rtl="0" eaLnBrk="1" latinLnBrk="0" hangingPunct="1">
+      <a:lvl7pPr marL="2652034" indent="-204003" algn="l" defTabSz="816011" rtl="0" eaLnBrk="1" latinLnBrk="0" hangingPunct="1">
         <a:lnSpc>
           <a:spcPct val="90000"/>
         </a:lnSpc>
         <a:spcBef>
-          <a:spcPts val="563"/>
+          <a:spcPts val="446"/>
         </a:spcBef>
         <a:buFont typeface="Arial" panose="020B0604020202020204" pitchFamily="34" charset="0"/>
         <a:buChar char="•"/>
-        <a:defRPr sz="2025" kern="1200">
+        <a:defRPr sz="1606" kern="1200">
           <a:solidFill>
             <a:schemeClr val="tx1"/>
           </a:solidFill>
@@ -2818,16 +2820,16 @@
           <a:cs typeface="+mn-cs"/>
         </a:defRPr>
       </a:lvl7pPr>
-      <a:lvl8pPr marL="3858311" indent="-257221" algn="l" defTabSz="1028883" rtl="0" eaLnBrk="1" latinLnBrk="0" hangingPunct="1">
+      <a:lvl8pPr marL="3060040" indent="-204003" algn="l" defTabSz="816011" rtl="0" eaLnBrk="1" latinLnBrk="0" hangingPunct="1">
         <a:lnSpc>
           <a:spcPct val="90000"/>
         </a:lnSpc>
         <a:spcBef>
-          <a:spcPts val="563"/>
+          <a:spcPts val="446"/>
         </a:spcBef>
         <a:buFont typeface="Arial" panose="020B0604020202020204" pitchFamily="34" charset="0"/>
         <a:buChar char="•"/>
-        <a:defRPr sz="2025" kern="1200">
+        <a:defRPr sz="1606" kern="1200">
           <a:solidFill>
             <a:schemeClr val="tx1"/>
           </a:solidFill>
@@ -2836,16 +2838,16 @@
           <a:cs typeface="+mn-cs"/>
         </a:defRPr>
       </a:lvl8pPr>
-      <a:lvl9pPr marL="4372752" indent="-257221" algn="l" defTabSz="1028883" rtl="0" eaLnBrk="1" latinLnBrk="0" hangingPunct="1">
+      <a:lvl9pPr marL="3468045" indent="-204003" algn="l" defTabSz="816011" rtl="0" eaLnBrk="1" latinLnBrk="0" hangingPunct="1">
         <a:lnSpc>
           <a:spcPct val="90000"/>
         </a:lnSpc>
         <a:spcBef>
-          <a:spcPts val="563"/>
+          <a:spcPts val="446"/>
         </a:spcBef>
         <a:buFont typeface="Arial" panose="020B0604020202020204" pitchFamily="34" charset="0"/>
         <a:buChar char="•"/>
-        <a:defRPr sz="2025" kern="1200">
+        <a:defRPr sz="1606" kern="1200">
           <a:solidFill>
             <a:schemeClr val="tx1"/>
           </a:solidFill>
@@ -2859,8 +2861,8 @@
       <a:defPPr>
         <a:defRPr lang="en-US"/>
       </a:defPPr>
-      <a:lvl1pPr marL="0" algn="l" defTabSz="1028883" rtl="0" eaLnBrk="1" latinLnBrk="0" hangingPunct="1">
-        <a:defRPr sz="2025" kern="1200">
+      <a:lvl1pPr marL="0" algn="l" defTabSz="816011" rtl="0" eaLnBrk="1" latinLnBrk="0" hangingPunct="1">
+        <a:defRPr sz="1606" kern="1200">
           <a:solidFill>
             <a:schemeClr val="tx1"/>
           </a:solidFill>
@@ -2869,8 +2871,8 @@
           <a:cs typeface="+mn-cs"/>
         </a:defRPr>
       </a:lvl1pPr>
-      <a:lvl2pPr marL="514441" algn="l" defTabSz="1028883" rtl="0" eaLnBrk="1" latinLnBrk="0" hangingPunct="1">
-        <a:defRPr sz="2025" kern="1200">
+      <a:lvl2pPr marL="408005" algn="l" defTabSz="816011" rtl="0" eaLnBrk="1" latinLnBrk="0" hangingPunct="1">
+        <a:defRPr sz="1606" kern="1200">
           <a:solidFill>
             <a:schemeClr val="tx1"/>
           </a:solidFill>
@@ -2879,8 +2881,8 @@
           <a:cs typeface="+mn-cs"/>
         </a:defRPr>
       </a:lvl2pPr>
-      <a:lvl3pPr marL="1028883" algn="l" defTabSz="1028883" rtl="0" eaLnBrk="1" latinLnBrk="0" hangingPunct="1">
-        <a:defRPr sz="2025" kern="1200">
+      <a:lvl3pPr marL="816011" algn="l" defTabSz="816011" rtl="0" eaLnBrk="1" latinLnBrk="0" hangingPunct="1">
+        <a:defRPr sz="1606" kern="1200">
           <a:solidFill>
             <a:schemeClr val="tx1"/>
           </a:solidFill>
@@ -2889,8 +2891,8 @@
           <a:cs typeface="+mn-cs"/>
         </a:defRPr>
       </a:lvl3pPr>
-      <a:lvl4pPr marL="1543324" algn="l" defTabSz="1028883" rtl="0" eaLnBrk="1" latinLnBrk="0" hangingPunct="1">
-        <a:defRPr sz="2025" kern="1200">
+      <a:lvl4pPr marL="1224016" algn="l" defTabSz="816011" rtl="0" eaLnBrk="1" latinLnBrk="0" hangingPunct="1">
+        <a:defRPr sz="1606" kern="1200">
           <a:solidFill>
             <a:schemeClr val="tx1"/>
           </a:solidFill>
@@ -2899,8 +2901,8 @@
           <a:cs typeface="+mn-cs"/>
         </a:defRPr>
       </a:lvl4pPr>
-      <a:lvl5pPr marL="2057766" algn="l" defTabSz="1028883" rtl="0" eaLnBrk="1" latinLnBrk="0" hangingPunct="1">
-        <a:defRPr sz="2025" kern="1200">
+      <a:lvl5pPr marL="1632021" algn="l" defTabSz="816011" rtl="0" eaLnBrk="1" latinLnBrk="0" hangingPunct="1">
+        <a:defRPr sz="1606" kern="1200">
           <a:solidFill>
             <a:schemeClr val="tx1"/>
           </a:solidFill>
@@ -2909,8 +2911,8 @@
           <a:cs typeface="+mn-cs"/>
         </a:defRPr>
       </a:lvl5pPr>
-      <a:lvl6pPr marL="2572207" algn="l" defTabSz="1028883" rtl="0" eaLnBrk="1" latinLnBrk="0" hangingPunct="1">
-        <a:defRPr sz="2025" kern="1200">
+      <a:lvl6pPr marL="2040026" algn="l" defTabSz="816011" rtl="0" eaLnBrk="1" latinLnBrk="0" hangingPunct="1">
+        <a:defRPr sz="1606" kern="1200">
           <a:solidFill>
             <a:schemeClr val="tx1"/>
           </a:solidFill>
@@ -2919,8 +2921,8 @@
           <a:cs typeface="+mn-cs"/>
         </a:defRPr>
       </a:lvl6pPr>
-      <a:lvl7pPr marL="3086649" algn="l" defTabSz="1028883" rtl="0" eaLnBrk="1" latinLnBrk="0" hangingPunct="1">
-        <a:defRPr sz="2025" kern="1200">
+      <a:lvl7pPr marL="2448032" algn="l" defTabSz="816011" rtl="0" eaLnBrk="1" latinLnBrk="0" hangingPunct="1">
+        <a:defRPr sz="1606" kern="1200">
           <a:solidFill>
             <a:schemeClr val="tx1"/>
           </a:solidFill>
@@ -2929,8 +2931,8 @@
           <a:cs typeface="+mn-cs"/>
         </a:defRPr>
       </a:lvl7pPr>
-      <a:lvl8pPr marL="3601090" algn="l" defTabSz="1028883" rtl="0" eaLnBrk="1" latinLnBrk="0" hangingPunct="1">
-        <a:defRPr sz="2025" kern="1200">
+      <a:lvl8pPr marL="2856037" algn="l" defTabSz="816011" rtl="0" eaLnBrk="1" latinLnBrk="0" hangingPunct="1">
+        <a:defRPr sz="1606" kern="1200">
           <a:solidFill>
             <a:schemeClr val="tx1"/>
           </a:solidFill>
@@ -2939,8 +2941,8 @@
           <a:cs typeface="+mn-cs"/>
         </a:defRPr>
       </a:lvl8pPr>
-      <a:lvl9pPr marL="4115532" algn="l" defTabSz="1028883" rtl="0" eaLnBrk="1" latinLnBrk="0" hangingPunct="1">
-        <a:defRPr sz="2025" kern="1200">
+      <a:lvl9pPr marL="3264042" algn="l" defTabSz="816011" rtl="0" eaLnBrk="1" latinLnBrk="0" hangingPunct="1">
+        <a:defRPr sz="1606" kern="1200">
           <a:solidFill>
             <a:schemeClr val="tx1"/>
           </a:solidFill>
@@ -2971,399 +2973,598 @@
           <a:chExt cx="0" cy="0"/>
         </a:xfrm>
       </p:grpSpPr>
-      <p:pic>
-        <p:nvPicPr>
-          <p:cNvPr id="4" name="Imagen 3"/>
-          <p:cNvPicPr>
-            <a:picLocks noChangeAspect="1"/>
-          </p:cNvPicPr>
+      <p:grpSp>
+        <p:nvGrpSpPr>
+          <p:cNvPr id="35" name="Grupo 34"/>
+          <p:cNvGrpSpPr/>
           <p:nvPr/>
-        </p:nvPicPr>
-        <p:blipFill>
-          <a:blip r:embed="rId2" cstate="print">
-            <a:extLst>
-              <a:ext uri="{28A0092B-C50C-407E-A947-70E740481C1C}">
-                <a14:useLocalDpi xmlns:a14="http://schemas.microsoft.com/office/drawing/2010/main" val="0"/>
-              </a:ext>
-            </a:extLst>
-          </a:blip>
-          <a:stretch>
-            <a:fillRect/>
-          </a:stretch>
-        </p:blipFill>
-        <p:spPr>
+        </p:nvGrpSpPr>
+        <p:grpSpPr>
           <a:xfrm>
-            <a:off x="1588" y="1164243"/>
-            <a:ext cx="10287000" cy="6856790"/>
+            <a:off x="132061" y="107320"/>
+            <a:ext cx="11691830" cy="5816824"/>
+            <a:chOff x="132061" y="107320"/>
+            <a:chExt cx="11691830" cy="5816824"/>
           </a:xfrm>
-          <a:prstGeom prst="rect">
-            <a:avLst/>
-          </a:prstGeom>
-        </p:spPr>
-      </p:pic>
-      <p:cxnSp>
-        <p:nvCxnSpPr>
-          <p:cNvPr id="10" name="Conector recto 9"/>
-          <p:cNvCxnSpPr/>
-          <p:nvPr/>
-        </p:nvCxnSpPr>
-        <p:spPr>
-          <a:xfrm>
-            <a:off x="867103" y="464206"/>
-            <a:ext cx="7315200" cy="0"/>
-          </a:xfrm>
-          <a:prstGeom prst="line">
-            <a:avLst/>
-          </a:prstGeom>
-          <a:ln w="57150">
-            <a:solidFill>
-              <a:schemeClr val="tx1"/>
-            </a:solidFill>
-          </a:ln>
-        </p:spPr>
-        <p:style>
-          <a:lnRef idx="1">
-            <a:schemeClr val="accent1"/>
-          </a:lnRef>
-          <a:fillRef idx="0">
-            <a:schemeClr val="accent1"/>
-          </a:fillRef>
-          <a:effectRef idx="0">
-            <a:schemeClr val="accent1"/>
-          </a:effectRef>
-          <a:fontRef idx="minor">
-            <a:schemeClr val="tx1"/>
-          </a:fontRef>
-        </p:style>
-      </p:cxnSp>
-      <p:cxnSp>
-        <p:nvCxnSpPr>
-          <p:cNvPr id="11" name="Conector recto 10"/>
-          <p:cNvCxnSpPr/>
-          <p:nvPr/>
-        </p:nvCxnSpPr>
-        <p:spPr>
-          <a:xfrm>
-            <a:off x="2617351" y="900386"/>
-            <a:ext cx="5564953" cy="0"/>
-          </a:xfrm>
-          <a:prstGeom prst="line">
-            <a:avLst/>
-          </a:prstGeom>
-          <a:ln w="57150">
-            <a:solidFill>
-              <a:schemeClr val="tx1"/>
-            </a:solidFill>
-          </a:ln>
-        </p:spPr>
-        <p:style>
-          <a:lnRef idx="1">
-            <a:schemeClr val="accent1"/>
-          </a:lnRef>
-          <a:fillRef idx="0">
-            <a:schemeClr val="accent1"/>
-          </a:fillRef>
-          <a:effectRef idx="0">
-            <a:schemeClr val="accent1"/>
-          </a:effectRef>
-          <a:fontRef idx="minor">
-            <a:schemeClr val="tx1"/>
-          </a:fontRef>
-        </p:style>
-      </p:cxnSp>
-      <p:cxnSp>
-        <p:nvCxnSpPr>
-          <p:cNvPr id="13" name="Conector recto 12"/>
-          <p:cNvCxnSpPr/>
-          <p:nvPr/>
-        </p:nvCxnSpPr>
-        <p:spPr>
-          <a:xfrm>
-            <a:off x="4508938" y="1336565"/>
-            <a:ext cx="3657600" cy="0"/>
-          </a:xfrm>
-          <a:prstGeom prst="line">
-            <a:avLst/>
-          </a:prstGeom>
-          <a:ln w="57150">
-            <a:solidFill>
-              <a:schemeClr val="tx1"/>
-            </a:solidFill>
-          </a:ln>
-        </p:spPr>
-        <p:style>
-          <a:lnRef idx="1">
-            <a:schemeClr val="accent1"/>
-          </a:lnRef>
-          <a:fillRef idx="0">
-            <a:schemeClr val="accent1"/>
-          </a:fillRef>
-          <a:effectRef idx="0">
-            <a:schemeClr val="accent1"/>
-          </a:effectRef>
-          <a:fontRef idx="minor">
-            <a:schemeClr val="tx1"/>
-          </a:fontRef>
-        </p:style>
-      </p:cxnSp>
-      <p:sp>
-        <p:nvSpPr>
-          <p:cNvPr id="15" name="CuadroTexto 14"/>
-          <p:cNvSpPr txBox="1"/>
-          <p:nvPr/>
-        </p:nvSpPr>
-        <p:spPr>
-          <a:xfrm>
-            <a:off x="4105059" y="-30704"/>
-            <a:ext cx="1031051" cy="769441"/>
-          </a:xfrm>
-          <a:prstGeom prst="rect">
-            <a:avLst/>
-          </a:prstGeom>
-          <a:noFill/>
-        </p:spPr>
-        <p:txBody>
-          <a:bodyPr wrap="none" rtlCol="0">
-            <a:spAutoFit/>
-          </a:bodyPr>
-          <a:lstStyle/>
-          <a:p>
-            <a:r>
-              <a:rPr lang="es-MX" sz="4400" dirty="0">
+        </p:grpSpPr>
+        <p:pic>
+          <p:nvPicPr>
+            <p:cNvPr id="4" name="Imagen 3"/>
+            <p:cNvPicPr>
+              <a:picLocks noChangeAspect="1"/>
+            </p:cNvPicPr>
+            <p:nvPr/>
+          </p:nvPicPr>
+          <p:blipFill rotWithShape="1">
+            <a:blip r:embed="rId2" cstate="print">
+              <a:extLst>
+                <a:ext uri="{28A0092B-C50C-407E-A947-70E740481C1C}">
+                  <a14:useLocalDpi xmlns:a14="http://schemas.microsoft.com/office/drawing/2010/main" val="0"/>
+                </a:ext>
+              </a:extLst>
+            </a:blip>
+            <a:srcRect b="10000"/>
+            <a:stretch/>
+          </p:blipFill>
+          <p:spPr>
+            <a:xfrm>
+              <a:off x="308523" y="412118"/>
+              <a:ext cx="8638050" cy="5181902"/>
+            </a:xfrm>
+            <a:prstGeom prst="rect">
+              <a:avLst/>
+            </a:prstGeom>
+          </p:spPr>
+        </p:pic>
+        <p:pic>
+          <p:nvPicPr>
+            <p:cNvPr id="5" name="Imagen 4"/>
+            <p:cNvPicPr>
+              <a:picLocks noChangeAspect="1"/>
+            </p:cNvPicPr>
+            <p:nvPr/>
+          </p:nvPicPr>
+          <p:blipFill>
+            <a:blip r:embed="rId3" cstate="print">
+              <a:extLst>
+                <a:ext uri="{28A0092B-C50C-407E-A947-70E740481C1C}">
+                  <a14:useLocalDpi xmlns:a14="http://schemas.microsoft.com/office/drawing/2010/main" val="0"/>
+                </a:ext>
+              </a:extLst>
+            </a:blip>
+            <a:stretch>
+              <a:fillRect/>
+            </a:stretch>
+          </p:blipFill>
+          <p:spPr>
+            <a:xfrm>
+              <a:off x="8946573" y="166460"/>
+              <a:ext cx="2877318" cy="5757684"/>
+            </a:xfrm>
+            <a:prstGeom prst="rect">
+              <a:avLst/>
+            </a:prstGeom>
+          </p:spPr>
+        </p:pic>
+        <p:pic>
+          <p:nvPicPr>
+            <p:cNvPr id="6" name="Imagen 5"/>
+            <p:cNvPicPr>
+              <a:picLocks noChangeAspect="1"/>
+            </p:cNvPicPr>
+            <p:nvPr/>
+          </p:nvPicPr>
+          <p:blipFill rotWithShape="1">
+            <a:blip r:embed="rId2" cstate="print">
+              <a:extLst>
+                <a:ext uri="{28A0092B-C50C-407E-A947-70E740481C1C}">
+                  <a14:useLocalDpi xmlns:a14="http://schemas.microsoft.com/office/drawing/2010/main" val="0"/>
+                </a:ext>
+              </a:extLst>
+            </a:blip>
+            <a:srcRect l="15741" t="92805" r="81889" b="2929"/>
+            <a:stretch/>
+          </p:blipFill>
+          <p:spPr>
+            <a:xfrm>
+              <a:off x="6342916" y="2225601"/>
+              <a:ext cx="204716" cy="245658"/>
+            </a:xfrm>
+            <a:prstGeom prst="rect">
+              <a:avLst/>
+            </a:prstGeom>
+          </p:spPr>
+        </p:pic>
+        <p:pic>
+          <p:nvPicPr>
+            <p:cNvPr id="7" name="Imagen 6"/>
+            <p:cNvPicPr>
+              <a:picLocks noChangeAspect="1"/>
+            </p:cNvPicPr>
+            <p:nvPr/>
+          </p:nvPicPr>
+          <p:blipFill rotWithShape="1">
+            <a:blip r:embed="rId2" cstate="print">
+              <a:extLst>
+                <a:ext uri="{28A0092B-C50C-407E-A947-70E740481C1C}">
+                  <a14:useLocalDpi xmlns:a14="http://schemas.microsoft.com/office/drawing/2010/main" val="0"/>
+                </a:ext>
+              </a:extLst>
+            </a:blip>
+            <a:srcRect l="29935" t="92528" r="67221" b="2968"/>
+            <a:stretch/>
+          </p:blipFill>
+          <p:spPr>
+            <a:xfrm>
+              <a:off x="7121134" y="2211953"/>
+              <a:ext cx="245660" cy="259307"/>
+            </a:xfrm>
+            <a:prstGeom prst="rect">
+              <a:avLst/>
+            </a:prstGeom>
+          </p:spPr>
+        </p:pic>
+        <p:pic>
+          <p:nvPicPr>
+            <p:cNvPr id="8" name="Imagen 7"/>
+            <p:cNvPicPr>
+              <a:picLocks noChangeAspect="1"/>
+            </p:cNvPicPr>
+            <p:nvPr/>
+          </p:nvPicPr>
+          <p:blipFill rotWithShape="1">
+            <a:blip r:embed="rId2" cstate="print">
+              <a:extLst>
+                <a:ext uri="{28A0092B-C50C-407E-A947-70E740481C1C}">
+                  <a14:useLocalDpi xmlns:a14="http://schemas.microsoft.com/office/drawing/2010/main" val="0"/>
+                </a:ext>
+              </a:extLst>
+            </a:blip>
+            <a:srcRect l="51711" t="92963" r="45761" b="2534"/>
+            <a:stretch/>
+          </p:blipFill>
+          <p:spPr>
+            <a:xfrm>
+              <a:off x="8055496" y="2239249"/>
+              <a:ext cx="218365" cy="259308"/>
+            </a:xfrm>
+            <a:prstGeom prst="rect">
+              <a:avLst/>
+            </a:prstGeom>
+          </p:spPr>
+        </p:pic>
+        <p:pic>
+          <p:nvPicPr>
+            <p:cNvPr id="9" name="Imagen 8"/>
+            <p:cNvPicPr>
+              <a:picLocks noChangeAspect="1"/>
+            </p:cNvPicPr>
+            <p:nvPr/>
+          </p:nvPicPr>
+          <p:blipFill rotWithShape="1">
+            <a:blip r:embed="rId2" cstate="print">
+              <a:extLst>
+                <a:ext uri="{28A0092B-C50C-407E-A947-70E740481C1C}">
+                  <a14:useLocalDpi xmlns:a14="http://schemas.microsoft.com/office/drawing/2010/main" val="0"/>
+                </a:ext>
+              </a:extLst>
+            </a:blip>
+            <a:srcRect l="71118" t="92923" r="26038" b="3047"/>
+            <a:stretch/>
+          </p:blipFill>
+          <p:spPr>
+            <a:xfrm>
+              <a:off x="6584283" y="3566943"/>
+              <a:ext cx="245660" cy="232012"/>
+            </a:xfrm>
+            <a:prstGeom prst="rect">
+              <a:avLst/>
+            </a:prstGeom>
+          </p:spPr>
+        </p:pic>
+        <p:sp>
+          <p:nvSpPr>
+            <p:cNvPr id="11" name="Rectángulo 10"/>
+            <p:cNvSpPr/>
+            <p:nvPr/>
+          </p:nvSpPr>
+          <p:spPr>
+            <a:xfrm>
+              <a:off x="5860396" y="2059250"/>
+              <a:ext cx="2961564" cy="2770495"/>
+            </a:xfrm>
+            <a:prstGeom prst="rect">
+              <a:avLst/>
+            </a:prstGeom>
+            <a:noFill/>
+            <a:ln w="28575">
+              <a:solidFill>
+                <a:schemeClr val="tx1">
+                  <a:lumMod val="85000"/>
+                  <a:lumOff val="15000"/>
+                </a:schemeClr>
+              </a:solidFill>
+            </a:ln>
+          </p:spPr>
+          <p:style>
+            <a:lnRef idx="2">
+              <a:schemeClr val="accent1">
+                <a:shade val="50000"/>
+              </a:schemeClr>
+            </a:lnRef>
+            <a:fillRef idx="1">
+              <a:schemeClr val="accent1"/>
+            </a:fillRef>
+            <a:effectRef idx="0">
+              <a:schemeClr val="accent1"/>
+            </a:effectRef>
+            <a:fontRef idx="minor">
+              <a:schemeClr val="lt1"/>
+            </a:fontRef>
+          </p:style>
+          <p:txBody>
+            <a:bodyPr rot="0" spcFirstLastPara="0" vertOverflow="overflow" horzOverflow="overflow" vert="horz" wrap="square" lIns="91440" tIns="45720" rIns="91440" bIns="45720" numCol="1" spcCol="0" rtlCol="0" fromWordArt="0" anchor="ctr" anchorCtr="0" forceAA="0" compatLnSpc="1">
+              <a:prstTxWarp prst="textNoShape">
+                <a:avLst/>
+              </a:prstTxWarp>
+              <a:noAutofit/>
+            </a:bodyPr>
+            <a:lstStyle/>
+            <a:p>
+              <a:pPr algn="ctr"/>
+              <a:endParaRPr lang="es-MX" sz="1632"/>
+            </a:p>
+          </p:txBody>
+        </p:sp>
+        <p:pic>
+          <p:nvPicPr>
+            <p:cNvPr id="12" name="Imagen 11"/>
+            <p:cNvPicPr>
+              <a:picLocks noChangeAspect="1"/>
+            </p:cNvPicPr>
+            <p:nvPr/>
+          </p:nvPicPr>
+          <p:blipFill rotWithShape="1">
+            <a:blip r:embed="rId4" cstate="print">
+              <a:extLst>
+                <a:ext uri="{28A0092B-C50C-407E-A947-70E740481C1C}">
+                  <a14:useLocalDpi xmlns:a14="http://schemas.microsoft.com/office/drawing/2010/main" val="0"/>
+                </a:ext>
+              </a:extLst>
+            </a:blip>
+            <a:srcRect l="47545" t="4887" b="55249"/>
+            <a:stretch/>
+          </p:blipFill>
+          <p:spPr>
+            <a:xfrm>
+              <a:off x="7257610" y="3573673"/>
+              <a:ext cx="1579779" cy="1024562"/>
+            </a:xfrm>
+            <a:prstGeom prst="rect">
+              <a:avLst/>
+            </a:prstGeom>
+          </p:spPr>
+        </p:pic>
+        <p:pic>
+          <p:nvPicPr>
+            <p:cNvPr id="13" name="Imagen 12"/>
+            <p:cNvPicPr>
+              <a:picLocks noChangeAspect="1"/>
+            </p:cNvPicPr>
+            <p:nvPr/>
+          </p:nvPicPr>
+          <p:blipFill rotWithShape="1">
+            <a:blip r:embed="rId5" cstate="print">
+              <a:extLst>
+                <a:ext uri="{28A0092B-C50C-407E-A947-70E740481C1C}">
+                  <a14:useLocalDpi xmlns:a14="http://schemas.microsoft.com/office/drawing/2010/main" val="0"/>
+                </a:ext>
+              </a:extLst>
+            </a:blip>
+            <a:srcRect l="1905" t="60942" r="50193" b="5868"/>
+            <a:stretch/>
+          </p:blipFill>
+          <p:spPr>
+            <a:xfrm>
+              <a:off x="7457129" y="2528428"/>
+              <a:ext cx="1398895" cy="827125"/>
+            </a:xfrm>
+            <a:prstGeom prst="rect">
+              <a:avLst/>
+            </a:prstGeom>
+          </p:spPr>
+        </p:pic>
+        <p:pic>
+          <p:nvPicPr>
+            <p:cNvPr id="14" name="Imagen 13"/>
+            <p:cNvPicPr>
+              <a:picLocks noChangeAspect="1"/>
+            </p:cNvPicPr>
+            <p:nvPr/>
+          </p:nvPicPr>
+          <p:blipFill rotWithShape="1">
+            <a:blip r:embed="rId6" cstate="print">
+              <a:extLst>
+                <a:ext uri="{28A0092B-C50C-407E-A947-70E740481C1C}">
+                  <a14:useLocalDpi xmlns:a14="http://schemas.microsoft.com/office/drawing/2010/main" val="0"/>
+                </a:ext>
+              </a:extLst>
+            </a:blip>
+            <a:srcRect l="7715" t="2048" r="62441" b="43600"/>
+            <a:stretch/>
+          </p:blipFill>
+          <p:spPr>
+            <a:xfrm>
+              <a:off x="6883765" y="2376566"/>
+              <a:ext cx="720398" cy="1119600"/>
+            </a:xfrm>
+            <a:prstGeom prst="rect">
+              <a:avLst/>
+            </a:prstGeom>
+          </p:spPr>
+        </p:pic>
+        <p:pic>
+          <p:nvPicPr>
+            <p:cNvPr id="15" name="Imagen 14"/>
+            <p:cNvPicPr>
+              <a:picLocks noChangeAspect="1"/>
+            </p:cNvPicPr>
+            <p:nvPr/>
+          </p:nvPicPr>
+          <p:blipFill rotWithShape="1">
+            <a:blip r:embed="rId7" cstate="print">
+              <a:extLst>
+                <a:ext uri="{28A0092B-C50C-407E-A947-70E740481C1C}">
+                  <a14:useLocalDpi xmlns:a14="http://schemas.microsoft.com/office/drawing/2010/main" val="0"/>
+                </a:ext>
+              </a:extLst>
+            </a:blip>
+            <a:srcRect l="58626" t="53120" r="1075" b="1439"/>
+            <a:stretch/>
+          </p:blipFill>
+          <p:spPr>
+            <a:xfrm>
+              <a:off x="5863000" y="2372936"/>
+              <a:ext cx="1164547" cy="1120601"/>
+            </a:xfrm>
+            <a:prstGeom prst="rect">
+              <a:avLst/>
+            </a:prstGeom>
+          </p:spPr>
+        </p:pic>
+        <p:pic>
+          <p:nvPicPr>
+            <p:cNvPr id="10" name="Imagen 9"/>
+            <p:cNvPicPr>
+              <a:picLocks noChangeAspect="1"/>
+            </p:cNvPicPr>
+            <p:nvPr/>
+          </p:nvPicPr>
+          <p:blipFill rotWithShape="1">
+            <a:blip r:embed="rId2" cstate="print">
+              <a:extLst>
+                <a:ext uri="{28A0092B-C50C-407E-A947-70E740481C1C}">
+                  <a14:useLocalDpi xmlns:a14="http://schemas.microsoft.com/office/drawing/2010/main" val="0"/>
+                </a:ext>
+              </a:extLst>
+            </a:blip>
+            <a:srcRect l="86734" t="92647" r="10422" b="2850"/>
+            <a:stretch/>
+          </p:blipFill>
+          <p:spPr>
+            <a:xfrm>
+              <a:off x="7777277" y="3553295"/>
+              <a:ext cx="245661" cy="259309"/>
+            </a:xfrm>
+            <a:prstGeom prst="rect">
+              <a:avLst/>
+            </a:prstGeom>
+          </p:spPr>
+        </p:pic>
+        <p:sp>
+          <p:nvSpPr>
+            <p:cNvPr id="17" name="CuadroTexto 16"/>
+            <p:cNvSpPr txBox="1"/>
+            <p:nvPr/>
+          </p:nvSpPr>
+          <p:spPr>
+            <a:xfrm>
+              <a:off x="132061" y="107320"/>
+              <a:ext cx="444352" cy="523220"/>
+            </a:xfrm>
+            <a:prstGeom prst="rect">
+              <a:avLst/>
+            </a:prstGeom>
+            <a:noFill/>
+          </p:spPr>
+          <p:txBody>
+            <a:bodyPr wrap="none" rtlCol="0">
+              <a:spAutoFit/>
+            </a:bodyPr>
+            <a:lstStyle/>
+            <a:p>
+              <a:r>
+                <a:rPr lang="es-MX" sz="2800" dirty="0" smtClean="0">
+                  <a:latin typeface="Times New Roman" panose="02020603050405020304" pitchFamily="18" charset="0"/>
+                  <a:cs typeface="Times New Roman" panose="02020603050405020304" pitchFamily="18" charset="0"/>
+                </a:rPr>
+                <a:t>A</a:t>
+              </a:r>
+              <a:endParaRPr lang="es-MX" dirty="0">
                 <a:latin typeface="Times New Roman" panose="02020603050405020304" pitchFamily="18" charset="0"/>
                 <a:cs typeface="Times New Roman" panose="02020603050405020304" pitchFamily="18" charset="0"/>
-              </a:rPr>
-              <a:t>***</a:t>
-            </a:r>
-            <a:endParaRPr lang="es-MX" sz="1400" dirty="0">
-              <a:latin typeface="Times New Roman" panose="02020603050405020304" pitchFamily="18" charset="0"/>
-              <a:cs typeface="Times New Roman" panose="02020603050405020304" pitchFamily="18" charset="0"/>
-            </a:endParaRPr>
-          </a:p>
-        </p:txBody>
-      </p:sp>
-      <p:sp>
-        <p:nvSpPr>
-          <p:cNvPr id="16" name="CuadroTexto 15"/>
-          <p:cNvSpPr txBox="1"/>
-          <p:nvPr/>
-        </p:nvSpPr>
-        <p:spPr>
-          <a:xfrm>
-            <a:off x="5168873" y="401314"/>
-            <a:ext cx="466794" cy="769441"/>
-          </a:xfrm>
-          <a:prstGeom prst="rect">
-            <a:avLst/>
-          </a:prstGeom>
-          <a:noFill/>
-        </p:spPr>
-        <p:txBody>
-          <a:bodyPr wrap="none" rtlCol="0">
-            <a:spAutoFit/>
-          </a:bodyPr>
-          <a:lstStyle/>
-          <a:p>
-            <a:r>
-              <a:rPr lang="es-MX" sz="4400" dirty="0">
+              </a:endParaRPr>
+            </a:p>
+          </p:txBody>
+        </p:sp>
+        <p:sp>
+          <p:nvSpPr>
+            <p:cNvPr id="18" name="CuadroTexto 17"/>
+            <p:cNvSpPr txBox="1"/>
+            <p:nvPr/>
+          </p:nvSpPr>
+          <p:spPr>
+            <a:xfrm>
+              <a:off x="8881744" y="107320"/>
+              <a:ext cx="423514" cy="523220"/>
+            </a:xfrm>
+            <a:prstGeom prst="rect">
+              <a:avLst/>
+            </a:prstGeom>
+            <a:noFill/>
+          </p:spPr>
+          <p:txBody>
+            <a:bodyPr wrap="none" rtlCol="0">
+              <a:spAutoFit/>
+            </a:bodyPr>
+            <a:lstStyle/>
+            <a:p>
+              <a:r>
+                <a:rPr lang="es-MX" sz="2800" dirty="0" smtClean="0">
+                  <a:latin typeface="Times New Roman" panose="02020603050405020304" pitchFamily="18" charset="0"/>
+                  <a:cs typeface="Times New Roman" panose="02020603050405020304" pitchFamily="18" charset="0"/>
+                </a:rPr>
+                <a:t>B</a:t>
+              </a:r>
+              <a:endParaRPr lang="es-MX" dirty="0">
                 <a:latin typeface="Times New Roman" panose="02020603050405020304" pitchFamily="18" charset="0"/>
                 <a:cs typeface="Times New Roman" panose="02020603050405020304" pitchFamily="18" charset="0"/>
-              </a:rPr>
-              <a:t>*</a:t>
-            </a:r>
-            <a:endParaRPr lang="es-MX" sz="1400" dirty="0">
-              <a:latin typeface="Times New Roman" panose="02020603050405020304" pitchFamily="18" charset="0"/>
-              <a:cs typeface="Times New Roman" panose="02020603050405020304" pitchFamily="18" charset="0"/>
-            </a:endParaRPr>
-          </a:p>
-        </p:txBody>
-      </p:sp>
-      <p:sp>
-        <p:nvSpPr>
-          <p:cNvPr id="17" name="CuadroTexto 16"/>
-          <p:cNvSpPr txBox="1"/>
-          <p:nvPr/>
-        </p:nvSpPr>
-        <p:spPr>
-          <a:xfrm>
-            <a:off x="5877934" y="811974"/>
-            <a:ext cx="1031051" cy="769441"/>
-          </a:xfrm>
-          <a:prstGeom prst="rect">
-            <a:avLst/>
-          </a:prstGeom>
-          <a:noFill/>
-        </p:spPr>
-        <p:txBody>
-          <a:bodyPr wrap="none" rtlCol="0">
-            <a:spAutoFit/>
-          </a:bodyPr>
-          <a:lstStyle/>
-          <a:p>
-            <a:r>
-              <a:rPr lang="es-MX" sz="4400" dirty="0">
-                <a:latin typeface="Times New Roman" panose="02020603050405020304" pitchFamily="18" charset="0"/>
-                <a:cs typeface="Times New Roman" panose="02020603050405020304" pitchFamily="18" charset="0"/>
-              </a:rPr>
-              <a:t>***</a:t>
-            </a:r>
-            <a:endParaRPr lang="es-MX" sz="1400" dirty="0">
-              <a:latin typeface="Times New Roman" panose="02020603050405020304" pitchFamily="18" charset="0"/>
-              <a:cs typeface="Times New Roman" panose="02020603050405020304" pitchFamily="18" charset="0"/>
-            </a:endParaRPr>
-          </a:p>
-        </p:txBody>
-      </p:sp>
-      <p:pic>
-        <p:nvPicPr>
-          <p:cNvPr id="3" name="Imagen 2"/>
-          <p:cNvPicPr>
-            <a:picLocks noChangeAspect="1"/>
-          </p:cNvPicPr>
-          <p:nvPr/>
-        </p:nvPicPr>
-        <p:blipFill rotWithShape="1">
-          <a:blip r:embed="rId3" cstate="print">
-            <a:extLst>
-              <a:ext uri="{28A0092B-C50C-407E-A947-70E740481C1C}">
-                <a14:useLocalDpi xmlns:a14="http://schemas.microsoft.com/office/drawing/2010/main" val="0"/>
-              </a:ext>
-            </a:extLst>
-          </a:blip>
-          <a:srcRect l="47744" t="4662" r="2400" b="56286"/>
-          <a:stretch/>
-        </p:blipFill>
-        <p:spPr>
-          <a:xfrm>
-            <a:off x="8406063" y="7762573"/>
-            <a:ext cx="1658838" cy="1108800"/>
-          </a:xfrm>
-          <a:prstGeom prst="rect">
-            <a:avLst/>
-          </a:prstGeom>
-        </p:spPr>
-      </p:pic>
-      <p:pic>
-        <p:nvPicPr>
-          <p:cNvPr id="12" name="Imagen 11"/>
-          <p:cNvPicPr>
-            <a:picLocks noChangeAspect="1"/>
-          </p:cNvPicPr>
-          <p:nvPr/>
-        </p:nvPicPr>
-        <p:blipFill rotWithShape="1">
-          <a:blip r:embed="rId4" cstate="print">
-            <a:extLst>
-              <a:ext uri="{28A0092B-C50C-407E-A947-70E740481C1C}">
-                <a14:useLocalDpi xmlns:a14="http://schemas.microsoft.com/office/drawing/2010/main" val="0"/>
-              </a:ext>
-            </a:extLst>
-          </a:blip>
-          <a:srcRect t="57304" r="49247"/>
-          <a:stretch/>
-        </p:blipFill>
-        <p:spPr>
-          <a:xfrm>
-            <a:off x="4748463" y="7847228"/>
-            <a:ext cx="1661038" cy="1192491"/>
-          </a:xfrm>
-          <a:prstGeom prst="rect">
-            <a:avLst/>
-          </a:prstGeom>
-        </p:spPr>
-      </p:pic>
-      <p:pic>
-        <p:nvPicPr>
-          <p:cNvPr id="14" name="Imagen 13"/>
-          <p:cNvPicPr>
-            <a:picLocks noChangeAspect="1"/>
-          </p:cNvPicPr>
-          <p:nvPr/>
-        </p:nvPicPr>
-        <p:blipFill rotWithShape="1">
-          <a:blip r:embed="rId5" cstate="print">
-            <a:extLst>
-              <a:ext uri="{28A0092B-C50C-407E-A947-70E740481C1C}">
-                <a14:useLocalDpi xmlns:a14="http://schemas.microsoft.com/office/drawing/2010/main" val="0"/>
-              </a:ext>
-            </a:extLst>
-          </a:blip>
-          <a:srcRect l="7492" r="61712" b="44856"/>
-          <a:stretch/>
-        </p:blipFill>
-        <p:spPr>
-          <a:xfrm>
-            <a:off x="3476802" y="7889710"/>
-            <a:ext cx="725616" cy="1108800"/>
-          </a:xfrm>
-          <a:prstGeom prst="rect">
-            <a:avLst/>
-          </a:prstGeom>
-        </p:spPr>
-      </p:pic>
-      <p:pic>
-        <p:nvPicPr>
-          <p:cNvPr id="18" name="Imagen 17"/>
-          <p:cNvPicPr>
-            <a:picLocks noChangeAspect="1"/>
-          </p:cNvPicPr>
-          <p:nvPr/>
-        </p:nvPicPr>
-        <p:blipFill rotWithShape="1">
-          <a:blip r:embed="rId6" cstate="print">
-            <a:extLst>
-              <a:ext uri="{28A0092B-C50C-407E-A947-70E740481C1C}">
-                <a14:useLocalDpi xmlns:a14="http://schemas.microsoft.com/office/drawing/2010/main" val="0"/>
-              </a:ext>
-            </a:extLst>
-          </a:blip>
-          <a:srcRect l="57056" t="53769"/>
-          <a:stretch/>
-        </p:blipFill>
-        <p:spPr>
-          <a:xfrm>
-            <a:off x="1469463" y="7889710"/>
-            <a:ext cx="1208046" cy="1109828"/>
-          </a:xfrm>
-          <a:prstGeom prst="rect">
-            <a:avLst/>
-          </a:prstGeom>
-        </p:spPr>
-      </p:pic>
-      <p:pic>
-        <p:nvPicPr>
-          <p:cNvPr id="2" name="Imagen 1"/>
-          <p:cNvPicPr>
-            <a:picLocks noChangeAspect="1"/>
-          </p:cNvPicPr>
-          <p:nvPr/>
-        </p:nvPicPr>
-        <p:blipFill>
-          <a:blip r:embed="rId7" cstate="print">
-            <a:extLst>
-              <a:ext uri="{28A0092B-C50C-407E-A947-70E740481C1C}">
-                <a14:useLocalDpi xmlns:a14="http://schemas.microsoft.com/office/drawing/2010/main" val="0"/>
-              </a:ext>
-            </a:extLst>
-          </a:blip>
-          <a:stretch>
-            <a:fillRect/>
-          </a:stretch>
-        </p:blipFill>
-        <p:spPr>
-          <a:xfrm>
-            <a:off x="6767385" y="7828940"/>
-            <a:ext cx="1280793" cy="1108800"/>
-          </a:xfrm>
-          <a:prstGeom prst="rect">
-            <a:avLst/>
-          </a:prstGeom>
-        </p:spPr>
-      </p:pic>
+              </a:endParaRPr>
+            </a:p>
+          </p:txBody>
+        </p:sp>
+        <p:pic>
+          <p:nvPicPr>
+            <p:cNvPr id="2" name="Imagen 1"/>
+            <p:cNvPicPr>
+              <a:picLocks noChangeAspect="1"/>
+            </p:cNvPicPr>
+            <p:nvPr/>
+          </p:nvPicPr>
+          <p:blipFill>
+            <a:blip r:embed="rId8" cstate="print">
+              <a:extLst>
+                <a:ext uri="{28A0092B-C50C-407E-A947-70E740481C1C}">
+                  <a14:useLocalDpi xmlns:a14="http://schemas.microsoft.com/office/drawing/2010/main" val="0"/>
+                </a:ext>
+              </a:extLst>
+            </a:blip>
+            <a:stretch>
+              <a:fillRect/>
+            </a:stretch>
+          </p:blipFill>
+          <p:spPr>
+            <a:xfrm>
+              <a:off x="6060478" y="3600526"/>
+              <a:ext cx="1293269" cy="1119600"/>
+            </a:xfrm>
+            <a:prstGeom prst="rect">
+              <a:avLst/>
+            </a:prstGeom>
+          </p:spPr>
+        </p:pic>
+        <p:cxnSp>
+          <p:nvCxnSpPr>
+            <p:cNvPr id="21" name="Conector recto 20"/>
+            <p:cNvCxnSpPr/>
+            <p:nvPr/>
+          </p:nvCxnSpPr>
+          <p:spPr>
+            <a:xfrm>
+              <a:off x="10235821" y="5152030"/>
+              <a:ext cx="1098645" cy="0"/>
+            </a:xfrm>
+            <a:prstGeom prst="line">
+              <a:avLst/>
+            </a:prstGeom>
+            <a:ln w="28575"/>
+          </p:spPr>
+          <p:style>
+            <a:lnRef idx="1">
+              <a:schemeClr val="dk1"/>
+            </a:lnRef>
+            <a:fillRef idx="0">
+              <a:schemeClr val="dk1"/>
+            </a:fillRef>
+            <a:effectRef idx="0">
+              <a:schemeClr val="dk1"/>
+            </a:effectRef>
+            <a:fontRef idx="minor">
+              <a:schemeClr val="tx1"/>
+            </a:fontRef>
+          </p:style>
+        </p:cxnSp>
+        <p:cxnSp>
+          <p:nvCxnSpPr>
+            <p:cNvPr id="23" name="Conector recto 22"/>
+            <p:cNvCxnSpPr/>
+            <p:nvPr/>
+          </p:nvCxnSpPr>
+          <p:spPr>
+            <a:xfrm>
+              <a:off x="10590663" y="3100310"/>
+              <a:ext cx="382137" cy="0"/>
+            </a:xfrm>
+            <a:prstGeom prst="line">
+              <a:avLst/>
+            </a:prstGeom>
+            <a:ln w="28575"/>
+          </p:spPr>
+          <p:style>
+            <a:lnRef idx="1">
+              <a:schemeClr val="dk1"/>
+            </a:lnRef>
+            <a:fillRef idx="0">
+              <a:schemeClr val="dk1"/>
+            </a:fillRef>
+            <a:effectRef idx="0">
+              <a:schemeClr val="dk1"/>
+            </a:effectRef>
+            <a:fontRef idx="minor">
+              <a:schemeClr val="tx1"/>
+            </a:fontRef>
+          </p:style>
+        </p:cxnSp>
+        <p:cxnSp>
+          <p:nvCxnSpPr>
+            <p:cNvPr id="27" name="Conector recto 26"/>
+            <p:cNvCxnSpPr/>
+            <p:nvPr/>
+          </p:nvCxnSpPr>
+          <p:spPr>
+            <a:xfrm>
+              <a:off x="10269940" y="4126169"/>
+              <a:ext cx="1026000" cy="0"/>
+            </a:xfrm>
+            <a:prstGeom prst="line">
+              <a:avLst/>
+            </a:prstGeom>
+            <a:ln w="28575">
+              <a:solidFill>
+                <a:srgbClr val="FF0000"/>
+              </a:solidFill>
+            </a:ln>
+          </p:spPr>
+          <p:style>
+            <a:lnRef idx="1">
+              <a:schemeClr val="dk1"/>
+            </a:lnRef>
+            <a:fillRef idx="0">
+              <a:schemeClr val="dk1"/>
+            </a:fillRef>
+            <a:effectRef idx="0">
+              <a:schemeClr val="dk1"/>
+            </a:effectRef>
+            <a:fontRef idx="minor">
+              <a:schemeClr val="tx1"/>
+            </a:fontRef>
+          </p:style>
+        </p:cxnSp>
+      </p:grpSp>
     </p:spTree>
     <p:extLst>
       <p:ext uri="{BB962C8B-B14F-4D97-AF65-F5344CB8AC3E}">
-        <p14:creationId xmlns:p14="http://schemas.microsoft.com/office/powerpoint/2010/main" val="3241262161"/>
+        <p14:creationId xmlns:p14="http://schemas.microsoft.com/office/powerpoint/2010/main" val="2346394289"/>
       </p:ext>
     </p:extLst>
   </p:cSld>

--- a/Windows/Figures/Editing_Figure1.pptx
+++ b/Windows/Figures/Editing_Figure1.pptx
@@ -2973,79 +2973,248 @@
           <a:chExt cx="0" cy="0"/>
         </a:xfrm>
       </p:grpSpPr>
+      <p:pic>
+        <p:nvPicPr>
+          <p:cNvPr id="4" name="Imagen 3"/>
+          <p:cNvPicPr>
+            <a:picLocks noChangeAspect="1"/>
+          </p:cNvPicPr>
+          <p:nvPr/>
+        </p:nvPicPr>
+        <p:blipFill rotWithShape="1">
+          <a:blip r:embed="rId2" cstate="print">
+            <a:extLst>
+              <a:ext uri="{28A0092B-C50C-407E-A947-70E740481C1C}">
+                <a14:useLocalDpi xmlns:a14="http://schemas.microsoft.com/office/drawing/2010/main" val="0"/>
+              </a:ext>
+            </a:extLst>
+          </a:blip>
+          <a:srcRect b="9946"/>
+          <a:stretch/>
+        </p:blipFill>
+        <p:spPr>
+          <a:xfrm>
+            <a:off x="480396" y="369943"/>
+            <a:ext cx="8391801" cy="5037212"/>
+          </a:xfrm>
+          <a:prstGeom prst="rect">
+            <a:avLst/>
+          </a:prstGeom>
+        </p:spPr>
+      </p:pic>
+      <p:pic>
+        <p:nvPicPr>
+          <p:cNvPr id="5" name="Imagen 4"/>
+          <p:cNvPicPr>
+            <a:picLocks noChangeAspect="1"/>
+          </p:cNvPicPr>
+          <p:nvPr/>
+        </p:nvPicPr>
+        <p:blipFill>
+          <a:blip r:embed="rId3" cstate="print">
+            <a:extLst>
+              <a:ext uri="{28A0092B-C50C-407E-A947-70E740481C1C}">
+                <a14:useLocalDpi xmlns:a14="http://schemas.microsoft.com/office/drawing/2010/main" val="0"/>
+              </a:ext>
+            </a:extLst>
+          </a:blip>
+          <a:stretch>
+            <a:fillRect/>
+          </a:stretch>
+        </p:blipFill>
+        <p:spPr>
+          <a:xfrm>
+            <a:off x="8946573" y="166460"/>
+            <a:ext cx="2877318" cy="5757684"/>
+          </a:xfrm>
+          <a:prstGeom prst="rect">
+            <a:avLst/>
+          </a:prstGeom>
+        </p:spPr>
+      </p:pic>
+      <p:sp>
+        <p:nvSpPr>
+          <p:cNvPr id="17" name="CuadroTexto 16"/>
+          <p:cNvSpPr txBox="1"/>
+          <p:nvPr/>
+        </p:nvSpPr>
+        <p:spPr>
+          <a:xfrm>
+            <a:off x="132061" y="107320"/>
+            <a:ext cx="444352" cy="523220"/>
+          </a:xfrm>
+          <a:prstGeom prst="rect">
+            <a:avLst/>
+          </a:prstGeom>
+          <a:noFill/>
+        </p:spPr>
+        <p:txBody>
+          <a:bodyPr wrap="none" rtlCol="0">
+            <a:spAutoFit/>
+          </a:bodyPr>
+          <a:lstStyle/>
+          <a:p>
+            <a:r>
+              <a:rPr lang="es-MX" sz="2800" dirty="0" smtClean="0">
+                <a:latin typeface="Times New Roman" panose="02020603050405020304" pitchFamily="18" charset="0"/>
+                <a:cs typeface="Times New Roman" panose="02020603050405020304" pitchFamily="18" charset="0"/>
+              </a:rPr>
+              <a:t>A</a:t>
+            </a:r>
+            <a:endParaRPr lang="es-MX" dirty="0">
+              <a:latin typeface="Times New Roman" panose="02020603050405020304" pitchFamily="18" charset="0"/>
+              <a:cs typeface="Times New Roman" panose="02020603050405020304" pitchFamily="18" charset="0"/>
+            </a:endParaRPr>
+          </a:p>
+        </p:txBody>
+      </p:sp>
+      <p:sp>
+        <p:nvSpPr>
+          <p:cNvPr id="18" name="CuadroTexto 17"/>
+          <p:cNvSpPr txBox="1"/>
+          <p:nvPr/>
+        </p:nvSpPr>
+        <p:spPr>
+          <a:xfrm>
+            <a:off x="8881744" y="107320"/>
+            <a:ext cx="423514" cy="523220"/>
+          </a:xfrm>
+          <a:prstGeom prst="rect">
+            <a:avLst/>
+          </a:prstGeom>
+          <a:noFill/>
+        </p:spPr>
+        <p:txBody>
+          <a:bodyPr wrap="none" rtlCol="0">
+            <a:spAutoFit/>
+          </a:bodyPr>
+          <a:lstStyle/>
+          <a:p>
+            <a:r>
+              <a:rPr lang="es-MX" sz="2800" dirty="0" smtClean="0">
+                <a:latin typeface="Times New Roman" panose="02020603050405020304" pitchFamily="18" charset="0"/>
+                <a:cs typeface="Times New Roman" panose="02020603050405020304" pitchFamily="18" charset="0"/>
+              </a:rPr>
+              <a:t>B</a:t>
+            </a:r>
+            <a:endParaRPr lang="es-MX" dirty="0">
+              <a:latin typeface="Times New Roman" panose="02020603050405020304" pitchFamily="18" charset="0"/>
+              <a:cs typeface="Times New Roman" panose="02020603050405020304" pitchFamily="18" charset="0"/>
+            </a:endParaRPr>
+          </a:p>
+        </p:txBody>
+      </p:sp>
+      <p:cxnSp>
+        <p:nvCxnSpPr>
+          <p:cNvPr id="21" name="Conector recto 20"/>
+          <p:cNvCxnSpPr/>
+          <p:nvPr/>
+        </p:nvCxnSpPr>
+        <p:spPr>
+          <a:xfrm>
+            <a:off x="10235821" y="5152030"/>
+            <a:ext cx="1098645" cy="0"/>
+          </a:xfrm>
+          <a:prstGeom prst="line">
+            <a:avLst/>
+          </a:prstGeom>
+          <a:ln w="28575"/>
+        </p:spPr>
+        <p:style>
+          <a:lnRef idx="1">
+            <a:schemeClr val="dk1"/>
+          </a:lnRef>
+          <a:fillRef idx="0">
+            <a:schemeClr val="dk1"/>
+          </a:fillRef>
+          <a:effectRef idx="0">
+            <a:schemeClr val="dk1"/>
+          </a:effectRef>
+          <a:fontRef idx="minor">
+            <a:schemeClr val="tx1"/>
+          </a:fontRef>
+        </p:style>
+      </p:cxnSp>
+      <p:cxnSp>
+        <p:nvCxnSpPr>
+          <p:cNvPr id="23" name="Conector recto 22"/>
+          <p:cNvCxnSpPr/>
+          <p:nvPr/>
+        </p:nvCxnSpPr>
+        <p:spPr>
+          <a:xfrm>
+            <a:off x="10590663" y="3100310"/>
+            <a:ext cx="382137" cy="0"/>
+          </a:xfrm>
+          <a:prstGeom prst="line">
+            <a:avLst/>
+          </a:prstGeom>
+          <a:ln w="28575"/>
+        </p:spPr>
+        <p:style>
+          <a:lnRef idx="1">
+            <a:schemeClr val="dk1"/>
+          </a:lnRef>
+          <a:fillRef idx="0">
+            <a:schemeClr val="dk1"/>
+          </a:fillRef>
+          <a:effectRef idx="0">
+            <a:schemeClr val="dk1"/>
+          </a:effectRef>
+          <a:fontRef idx="minor">
+            <a:schemeClr val="tx1"/>
+          </a:fontRef>
+        </p:style>
+      </p:cxnSp>
+      <p:cxnSp>
+        <p:nvCxnSpPr>
+          <p:cNvPr id="27" name="Conector recto 26"/>
+          <p:cNvCxnSpPr/>
+          <p:nvPr/>
+        </p:nvCxnSpPr>
+        <p:spPr>
+          <a:xfrm>
+            <a:off x="10269940" y="4126169"/>
+            <a:ext cx="1026000" cy="0"/>
+          </a:xfrm>
+          <a:prstGeom prst="line">
+            <a:avLst/>
+          </a:prstGeom>
+          <a:ln w="28575">
+            <a:solidFill>
+              <a:srgbClr val="FF0000"/>
+            </a:solidFill>
+          </a:ln>
+        </p:spPr>
+        <p:style>
+          <a:lnRef idx="1">
+            <a:schemeClr val="dk1"/>
+          </a:lnRef>
+          <a:fillRef idx="0">
+            <a:schemeClr val="dk1"/>
+          </a:fillRef>
+          <a:effectRef idx="0">
+            <a:schemeClr val="dk1"/>
+          </a:effectRef>
+          <a:fontRef idx="minor">
+            <a:schemeClr val="tx1"/>
+          </a:fontRef>
+        </p:style>
+      </p:cxnSp>
       <p:grpSp>
         <p:nvGrpSpPr>
-          <p:cNvPr id="35" name="Grupo 34"/>
+          <p:cNvPr id="3" name="Grupo 2"/>
           <p:cNvGrpSpPr/>
           <p:nvPr/>
         </p:nvGrpSpPr>
         <p:grpSpPr>
           <a:xfrm>
-            <a:off x="132061" y="107320"/>
-            <a:ext cx="11691830" cy="5816824"/>
-            <a:chOff x="132061" y="107320"/>
-            <a:chExt cx="11691830" cy="5816824"/>
+            <a:off x="5786914" y="1931668"/>
+            <a:ext cx="2995628" cy="2770495"/>
+            <a:chOff x="5860396" y="2059250"/>
+            <a:chExt cx="2995628" cy="2770495"/>
           </a:xfrm>
         </p:grpSpPr>
-        <p:pic>
-          <p:nvPicPr>
-            <p:cNvPr id="4" name="Imagen 3"/>
-            <p:cNvPicPr>
-              <a:picLocks noChangeAspect="1"/>
-            </p:cNvPicPr>
-            <p:nvPr/>
-          </p:nvPicPr>
-          <p:blipFill rotWithShape="1">
-            <a:blip r:embed="rId2" cstate="print">
-              <a:extLst>
-                <a:ext uri="{28A0092B-C50C-407E-A947-70E740481C1C}">
-                  <a14:useLocalDpi xmlns:a14="http://schemas.microsoft.com/office/drawing/2010/main" val="0"/>
-                </a:ext>
-              </a:extLst>
-            </a:blip>
-            <a:srcRect b="10000"/>
-            <a:stretch/>
-          </p:blipFill>
-          <p:spPr>
-            <a:xfrm>
-              <a:off x="308523" y="412118"/>
-              <a:ext cx="8638050" cy="5181902"/>
-            </a:xfrm>
-            <a:prstGeom prst="rect">
-              <a:avLst/>
-            </a:prstGeom>
-          </p:spPr>
-        </p:pic>
-        <p:pic>
-          <p:nvPicPr>
-            <p:cNvPr id="5" name="Imagen 4"/>
-            <p:cNvPicPr>
-              <a:picLocks noChangeAspect="1"/>
-            </p:cNvPicPr>
-            <p:nvPr/>
-          </p:nvPicPr>
-          <p:blipFill>
-            <a:blip r:embed="rId3" cstate="print">
-              <a:extLst>
-                <a:ext uri="{28A0092B-C50C-407E-A947-70E740481C1C}">
-                  <a14:useLocalDpi xmlns:a14="http://schemas.microsoft.com/office/drawing/2010/main" val="0"/>
-                </a:ext>
-              </a:extLst>
-            </a:blip>
-            <a:stretch>
-              <a:fillRect/>
-            </a:stretch>
-          </p:blipFill>
-          <p:spPr>
-            <a:xfrm>
-              <a:off x="8946573" y="166460"/>
-              <a:ext cx="2877318" cy="5757684"/>
-            </a:xfrm>
-            <a:prstGeom prst="rect">
-              <a:avLst/>
-            </a:prstGeom>
-          </p:spPr>
-        </p:pic>
         <p:pic>
           <p:nvPicPr>
             <p:cNvPr id="6" name="Imagen 5"/>
@@ -3055,7 +3224,7 @@
             <p:nvPr/>
           </p:nvPicPr>
           <p:blipFill rotWithShape="1">
-            <a:blip r:embed="rId2" cstate="print">
+            <a:blip r:embed="rId4" cstate="print">
               <a:extLst>
                 <a:ext uri="{28A0092B-C50C-407E-A947-70E740481C1C}">
                   <a14:useLocalDpi xmlns:a14="http://schemas.microsoft.com/office/drawing/2010/main" val="0"/>
@@ -3084,7 +3253,7 @@
             <p:nvPr/>
           </p:nvPicPr>
           <p:blipFill rotWithShape="1">
-            <a:blip r:embed="rId2" cstate="print">
+            <a:blip r:embed="rId4" cstate="print">
               <a:extLst>
                 <a:ext uri="{28A0092B-C50C-407E-A947-70E740481C1C}">
                   <a14:useLocalDpi xmlns:a14="http://schemas.microsoft.com/office/drawing/2010/main" val="0"/>
@@ -3113,7 +3282,7 @@
             <p:nvPr/>
           </p:nvPicPr>
           <p:blipFill rotWithShape="1">
-            <a:blip r:embed="rId2" cstate="print">
+            <a:blip r:embed="rId4" cstate="print">
               <a:extLst>
                 <a:ext uri="{28A0092B-C50C-407E-A947-70E740481C1C}">
                   <a14:useLocalDpi xmlns:a14="http://schemas.microsoft.com/office/drawing/2010/main" val="0"/>
@@ -3127,35 +3296,6 @@
             <a:xfrm>
               <a:off x="8055496" y="2239249"/>
               <a:ext cx="218365" cy="259308"/>
-            </a:xfrm>
-            <a:prstGeom prst="rect">
-              <a:avLst/>
-            </a:prstGeom>
-          </p:spPr>
-        </p:pic>
-        <p:pic>
-          <p:nvPicPr>
-            <p:cNvPr id="9" name="Imagen 8"/>
-            <p:cNvPicPr>
-              <a:picLocks noChangeAspect="1"/>
-            </p:cNvPicPr>
-            <p:nvPr/>
-          </p:nvPicPr>
-          <p:blipFill rotWithShape="1">
-            <a:blip r:embed="rId2" cstate="print">
-              <a:extLst>
-                <a:ext uri="{28A0092B-C50C-407E-A947-70E740481C1C}">
-                  <a14:useLocalDpi xmlns:a14="http://schemas.microsoft.com/office/drawing/2010/main" val="0"/>
-                </a:ext>
-              </a:extLst>
-            </a:blip>
-            <a:srcRect l="71118" t="92923" r="26038" b="3047"/>
-            <a:stretch/>
-          </p:blipFill>
-          <p:spPr>
-            <a:xfrm>
-              <a:off x="6584283" y="3566943"/>
-              <a:ext cx="245660" cy="232012"/>
             </a:xfrm>
             <a:prstGeom prst="rect">
               <a:avLst/>
@@ -3225,7 +3365,7 @@
             <p:nvPr/>
           </p:nvPicPr>
           <p:blipFill rotWithShape="1">
-            <a:blip r:embed="rId4" cstate="print">
+            <a:blip r:embed="rId5" cstate="print">
               <a:extLst>
                 <a:ext uri="{28A0092B-C50C-407E-A947-70E740481C1C}">
                   <a14:useLocalDpi xmlns:a14="http://schemas.microsoft.com/office/drawing/2010/main" val="0"/>
@@ -3254,7 +3394,7 @@
             <p:nvPr/>
           </p:nvPicPr>
           <p:blipFill rotWithShape="1">
-            <a:blip r:embed="rId5" cstate="print">
+            <a:blip r:embed="rId6" cstate="print">
               <a:extLst>
                 <a:ext uri="{28A0092B-C50C-407E-A947-70E740481C1C}">
                   <a14:useLocalDpi xmlns:a14="http://schemas.microsoft.com/office/drawing/2010/main" val="0"/>
@@ -3283,7 +3423,7 @@
             <p:nvPr/>
           </p:nvPicPr>
           <p:blipFill rotWithShape="1">
-            <a:blip r:embed="rId6" cstate="print">
+            <a:blip r:embed="rId7" cstate="print">
               <a:extLst>
                 <a:ext uri="{28A0092B-C50C-407E-A947-70E740481C1C}">
                   <a14:useLocalDpi xmlns:a14="http://schemas.microsoft.com/office/drawing/2010/main" val="0"/>
@@ -3312,7 +3452,7 @@
             <p:nvPr/>
           </p:nvPicPr>
           <p:blipFill rotWithShape="1">
-            <a:blip r:embed="rId7" cstate="print">
+            <a:blip r:embed="rId8" cstate="print">
               <a:extLst>
                 <a:ext uri="{28A0092B-C50C-407E-A947-70E740481C1C}">
                   <a14:useLocalDpi xmlns:a14="http://schemas.microsoft.com/office/drawing/2010/main" val="0"/>
@@ -3341,7 +3481,7 @@
             <p:nvPr/>
           </p:nvPicPr>
           <p:blipFill rotWithShape="1">
-            <a:blip r:embed="rId2" cstate="print">
+            <a:blip r:embed="rId4" cstate="print">
               <a:extLst>
                 <a:ext uri="{28A0092B-C50C-407E-A947-70E740481C1C}">
                   <a14:useLocalDpi xmlns:a14="http://schemas.microsoft.com/office/drawing/2010/main" val="0"/>
@@ -3361,78 +3501,6 @@
             </a:prstGeom>
           </p:spPr>
         </p:pic>
-        <p:sp>
-          <p:nvSpPr>
-            <p:cNvPr id="17" name="CuadroTexto 16"/>
-            <p:cNvSpPr txBox="1"/>
-            <p:nvPr/>
-          </p:nvSpPr>
-          <p:spPr>
-            <a:xfrm>
-              <a:off x="132061" y="107320"/>
-              <a:ext cx="444352" cy="523220"/>
-            </a:xfrm>
-            <a:prstGeom prst="rect">
-              <a:avLst/>
-            </a:prstGeom>
-            <a:noFill/>
-          </p:spPr>
-          <p:txBody>
-            <a:bodyPr wrap="none" rtlCol="0">
-              <a:spAutoFit/>
-            </a:bodyPr>
-            <a:lstStyle/>
-            <a:p>
-              <a:r>
-                <a:rPr lang="es-MX" sz="2800" dirty="0" smtClean="0">
-                  <a:latin typeface="Times New Roman" panose="02020603050405020304" pitchFamily="18" charset="0"/>
-                  <a:cs typeface="Times New Roman" panose="02020603050405020304" pitchFamily="18" charset="0"/>
-                </a:rPr>
-                <a:t>A</a:t>
-              </a:r>
-              <a:endParaRPr lang="es-MX" dirty="0">
-                <a:latin typeface="Times New Roman" panose="02020603050405020304" pitchFamily="18" charset="0"/>
-                <a:cs typeface="Times New Roman" panose="02020603050405020304" pitchFamily="18" charset="0"/>
-              </a:endParaRPr>
-            </a:p>
-          </p:txBody>
-        </p:sp>
-        <p:sp>
-          <p:nvSpPr>
-            <p:cNvPr id="18" name="CuadroTexto 17"/>
-            <p:cNvSpPr txBox="1"/>
-            <p:nvPr/>
-          </p:nvSpPr>
-          <p:spPr>
-            <a:xfrm>
-              <a:off x="8881744" y="107320"/>
-              <a:ext cx="423514" cy="523220"/>
-            </a:xfrm>
-            <a:prstGeom prst="rect">
-              <a:avLst/>
-            </a:prstGeom>
-            <a:noFill/>
-          </p:spPr>
-          <p:txBody>
-            <a:bodyPr wrap="none" rtlCol="0">
-              <a:spAutoFit/>
-            </a:bodyPr>
-            <a:lstStyle/>
-            <a:p>
-              <a:r>
-                <a:rPr lang="es-MX" sz="2800" dirty="0" smtClean="0">
-                  <a:latin typeface="Times New Roman" panose="02020603050405020304" pitchFamily="18" charset="0"/>
-                  <a:cs typeface="Times New Roman" panose="02020603050405020304" pitchFamily="18" charset="0"/>
-                </a:rPr>
-                <a:t>B</a:t>
-              </a:r>
-              <a:endParaRPr lang="es-MX" dirty="0">
-                <a:latin typeface="Times New Roman" panose="02020603050405020304" pitchFamily="18" charset="0"/>
-                <a:cs typeface="Times New Roman" panose="02020603050405020304" pitchFamily="18" charset="0"/>
-              </a:endParaRPr>
-            </a:p>
-          </p:txBody>
-        </p:sp>
         <p:pic>
           <p:nvPicPr>
             <p:cNvPr id="2" name="Imagen 1"/>
@@ -3442,7 +3510,7 @@
             <p:nvPr/>
           </p:nvPicPr>
           <p:blipFill>
-            <a:blip r:embed="rId8" cstate="print">
+            <a:blip r:embed="rId9" cstate="print">
               <a:extLst>
                 <a:ext uri="{28A0092B-C50C-407E-A947-70E740481C1C}">
                   <a14:useLocalDpi xmlns:a14="http://schemas.microsoft.com/office/drawing/2010/main" val="0"/>
@@ -3455,7 +3523,7 @@
           </p:blipFill>
           <p:spPr>
             <a:xfrm>
-              <a:off x="6060478" y="3600526"/>
+              <a:off x="6060478" y="3594254"/>
               <a:ext cx="1293269" cy="1119600"/>
             </a:xfrm>
             <a:prstGeom prst="rect">
@@ -3463,103 +3531,35 @@
             </a:prstGeom>
           </p:spPr>
         </p:pic>
-        <p:cxnSp>
-          <p:nvCxnSpPr>
-            <p:cNvPr id="21" name="Conector recto 20"/>
-            <p:cNvCxnSpPr/>
+        <p:pic>
+          <p:nvPicPr>
+            <p:cNvPr id="9" name="Imagen 8"/>
+            <p:cNvPicPr>
+              <a:picLocks noChangeAspect="1"/>
+            </p:cNvPicPr>
             <p:nvPr/>
-          </p:nvCxnSpPr>
+          </p:nvPicPr>
+          <p:blipFill rotWithShape="1">
+            <a:blip r:embed="rId4" cstate="print">
+              <a:extLst>
+                <a:ext uri="{28A0092B-C50C-407E-A947-70E740481C1C}">
+                  <a14:useLocalDpi xmlns:a14="http://schemas.microsoft.com/office/drawing/2010/main" val="0"/>
+                </a:ext>
+              </a:extLst>
+            </a:blip>
+            <a:srcRect l="71118" t="92923" r="26038" b="3047"/>
+            <a:stretch/>
+          </p:blipFill>
           <p:spPr>
             <a:xfrm>
-              <a:off x="10235821" y="5152030"/>
-              <a:ext cx="1098645" cy="0"/>
+              <a:off x="6584283" y="3566943"/>
+              <a:ext cx="245660" cy="232012"/>
             </a:xfrm>
-            <a:prstGeom prst="line">
+            <a:prstGeom prst="rect">
               <a:avLst/>
             </a:prstGeom>
-            <a:ln w="28575"/>
           </p:spPr>
-          <p:style>
-            <a:lnRef idx="1">
-              <a:schemeClr val="dk1"/>
-            </a:lnRef>
-            <a:fillRef idx="0">
-              <a:schemeClr val="dk1"/>
-            </a:fillRef>
-            <a:effectRef idx="0">
-              <a:schemeClr val="dk1"/>
-            </a:effectRef>
-            <a:fontRef idx="minor">
-              <a:schemeClr val="tx1"/>
-            </a:fontRef>
-          </p:style>
-        </p:cxnSp>
-        <p:cxnSp>
-          <p:nvCxnSpPr>
-            <p:cNvPr id="23" name="Conector recto 22"/>
-            <p:cNvCxnSpPr/>
-            <p:nvPr/>
-          </p:nvCxnSpPr>
-          <p:spPr>
-            <a:xfrm>
-              <a:off x="10590663" y="3100310"/>
-              <a:ext cx="382137" cy="0"/>
-            </a:xfrm>
-            <a:prstGeom prst="line">
-              <a:avLst/>
-            </a:prstGeom>
-            <a:ln w="28575"/>
-          </p:spPr>
-          <p:style>
-            <a:lnRef idx="1">
-              <a:schemeClr val="dk1"/>
-            </a:lnRef>
-            <a:fillRef idx="0">
-              <a:schemeClr val="dk1"/>
-            </a:fillRef>
-            <a:effectRef idx="0">
-              <a:schemeClr val="dk1"/>
-            </a:effectRef>
-            <a:fontRef idx="minor">
-              <a:schemeClr val="tx1"/>
-            </a:fontRef>
-          </p:style>
-        </p:cxnSp>
-        <p:cxnSp>
-          <p:nvCxnSpPr>
-            <p:cNvPr id="27" name="Conector recto 26"/>
-            <p:cNvCxnSpPr/>
-            <p:nvPr/>
-          </p:nvCxnSpPr>
-          <p:spPr>
-            <a:xfrm>
-              <a:off x="10269940" y="4126169"/>
-              <a:ext cx="1026000" cy="0"/>
-            </a:xfrm>
-            <a:prstGeom prst="line">
-              <a:avLst/>
-            </a:prstGeom>
-            <a:ln w="28575">
-              <a:solidFill>
-                <a:srgbClr val="FF0000"/>
-              </a:solidFill>
-            </a:ln>
-          </p:spPr>
-          <p:style>
-            <a:lnRef idx="1">
-              <a:schemeClr val="dk1"/>
-            </a:lnRef>
-            <a:fillRef idx="0">
-              <a:schemeClr val="dk1"/>
-            </a:fillRef>
-            <a:effectRef idx="0">
-              <a:schemeClr val="dk1"/>
-            </a:effectRef>
-            <a:fontRef idx="minor">
-              <a:schemeClr val="tx1"/>
-            </a:fontRef>
-          </p:style>
-        </p:cxnSp>
+        </p:pic>
       </p:grpSp>
     </p:spTree>
     <p:extLst>

--- a/Windows/Figures/Editing_Figure1.pptx
+++ b/Windows/Figures/Editing_Figure1.pptx
@@ -243,7 +243,7 @@
           <a:p>
             <a:fld id="{A58B04F7-F471-4340-860B-568D342C6269}" type="datetimeFigureOut">
               <a:rPr lang="es-MX" smtClean="0"/>
-              <a:t>28/05/2022</a:t>
+              <a:t>03/08/2022</a:t>
             </a:fld>
             <a:endParaRPr lang="es-MX"/>
           </a:p>
@@ -413,7 +413,7 @@
           <a:p>
             <a:fld id="{A58B04F7-F471-4340-860B-568D342C6269}" type="datetimeFigureOut">
               <a:rPr lang="es-MX" smtClean="0"/>
-              <a:t>28/05/2022</a:t>
+              <a:t>03/08/2022</a:t>
             </a:fld>
             <a:endParaRPr lang="es-MX"/>
           </a:p>
@@ -593,7 +593,7 @@
           <a:p>
             <a:fld id="{A58B04F7-F471-4340-860B-568D342C6269}" type="datetimeFigureOut">
               <a:rPr lang="es-MX" smtClean="0"/>
-              <a:t>28/05/2022</a:t>
+              <a:t>03/08/2022</a:t>
             </a:fld>
             <a:endParaRPr lang="es-MX"/>
           </a:p>
@@ -763,7 +763,7 @@
           <a:p>
             <a:fld id="{A58B04F7-F471-4340-860B-568D342C6269}" type="datetimeFigureOut">
               <a:rPr lang="es-MX" smtClean="0"/>
-              <a:t>28/05/2022</a:t>
+              <a:t>03/08/2022</a:t>
             </a:fld>
             <a:endParaRPr lang="es-MX"/>
           </a:p>
@@ -1009,7 +1009,7 @@
           <a:p>
             <a:fld id="{A58B04F7-F471-4340-860B-568D342C6269}" type="datetimeFigureOut">
               <a:rPr lang="es-MX" smtClean="0"/>
-              <a:t>28/05/2022</a:t>
+              <a:t>03/08/2022</a:t>
             </a:fld>
             <a:endParaRPr lang="es-MX"/>
           </a:p>
@@ -1241,7 +1241,7 @@
           <a:p>
             <a:fld id="{A58B04F7-F471-4340-860B-568D342C6269}" type="datetimeFigureOut">
               <a:rPr lang="es-MX" smtClean="0"/>
-              <a:t>28/05/2022</a:t>
+              <a:t>03/08/2022</a:t>
             </a:fld>
             <a:endParaRPr lang="es-MX"/>
           </a:p>
@@ -1608,7 +1608,7 @@
           <a:p>
             <a:fld id="{A58B04F7-F471-4340-860B-568D342C6269}" type="datetimeFigureOut">
               <a:rPr lang="es-MX" smtClean="0"/>
-              <a:t>28/05/2022</a:t>
+              <a:t>03/08/2022</a:t>
             </a:fld>
             <a:endParaRPr lang="es-MX"/>
           </a:p>
@@ -1726,7 +1726,7 @@
           <a:p>
             <a:fld id="{A58B04F7-F471-4340-860B-568D342C6269}" type="datetimeFigureOut">
               <a:rPr lang="es-MX" smtClean="0"/>
-              <a:t>28/05/2022</a:t>
+              <a:t>03/08/2022</a:t>
             </a:fld>
             <a:endParaRPr lang="es-MX"/>
           </a:p>
@@ -1821,7 +1821,7 @@
           <a:p>
             <a:fld id="{A58B04F7-F471-4340-860B-568D342C6269}" type="datetimeFigureOut">
               <a:rPr lang="es-MX" smtClean="0"/>
-              <a:t>28/05/2022</a:t>
+              <a:t>03/08/2022</a:t>
             </a:fld>
             <a:endParaRPr lang="es-MX"/>
           </a:p>
@@ -2098,7 +2098,7 @@
           <a:p>
             <a:fld id="{A58B04F7-F471-4340-860B-568D342C6269}" type="datetimeFigureOut">
               <a:rPr lang="es-MX" smtClean="0"/>
-              <a:t>28/05/2022</a:t>
+              <a:t>03/08/2022</a:t>
             </a:fld>
             <a:endParaRPr lang="es-MX"/>
           </a:p>
@@ -2355,7 +2355,7 @@
           <a:p>
             <a:fld id="{A58B04F7-F471-4340-860B-568D342C6269}" type="datetimeFigureOut">
               <a:rPr lang="es-MX" smtClean="0"/>
-              <a:t>28/05/2022</a:t>
+              <a:t>03/08/2022</a:t>
             </a:fld>
             <a:endParaRPr lang="es-MX"/>
           </a:p>
@@ -2568,7 +2568,7 @@
           <a:p>
             <a:fld id="{A58B04F7-F471-4340-860B-568D342C6269}" type="datetimeFigureOut">
               <a:rPr lang="es-MX" smtClean="0"/>
-              <a:t>28/05/2022</a:t>
+              <a:t>03/08/2022</a:t>
             </a:fld>
             <a:endParaRPr lang="es-MX"/>
           </a:p>
@@ -2981,7 +2981,7 @@
           </p:cNvPicPr>
           <p:nvPr/>
         </p:nvPicPr>
-        <p:blipFill rotWithShape="1">
+        <p:blipFill>
           <a:blip r:embed="rId2" cstate="print">
             <a:extLst>
               <a:ext uri="{28A0092B-C50C-407E-A947-70E740481C1C}">
@@ -2989,13 +2989,14 @@
               </a:ext>
             </a:extLst>
           </a:blip>
-          <a:srcRect b="9946"/>
-          <a:stretch/>
+          <a:stretch>
+            <a:fillRect/>
+          </a:stretch>
         </p:blipFill>
         <p:spPr>
           <a:xfrm>
-            <a:off x="480396" y="369943"/>
-            <a:ext cx="8391801" cy="5037212"/>
+            <a:off x="218094" y="166460"/>
+            <a:ext cx="8636123" cy="5756400"/>
           </a:xfrm>
           <a:prstGeom prst="rect">
             <a:avLst/>
@@ -3010,7 +3011,7 @@
           </p:cNvPicPr>
           <p:nvPr/>
         </p:nvPicPr>
-        <p:blipFill>
+        <p:blipFill rotWithShape="1">
           <a:blip r:embed="rId3" cstate="print">
             <a:extLst>
               <a:ext uri="{28A0092B-C50C-407E-A947-70E740481C1C}">
@@ -3018,14 +3019,13 @@
               </a:ext>
             </a:extLst>
           </a:blip>
-          <a:stretch>
-            <a:fillRect/>
-          </a:stretch>
+          <a:srcRect b="5242"/>
+          <a:stretch/>
         </p:blipFill>
         <p:spPr>
           <a:xfrm>
             <a:off x="8946573" y="166460"/>
-            <a:ext cx="2877318" cy="5757684"/>
+            <a:ext cx="2877318" cy="5455864"/>
           </a:xfrm>
           <a:prstGeom prst="rect">
             <a:avLst/>
@@ -3112,7 +3112,7 @@
         </p:nvCxnSpPr>
         <p:spPr>
           <a:xfrm>
-            <a:off x="10235821" y="5152030"/>
+            <a:off x="10235821" y="5201458"/>
             <a:ext cx="1098645" cy="0"/>
           </a:xfrm>
           <a:prstGeom prst="line">
@@ -3143,7 +3143,7 @@
         </p:nvCxnSpPr>
         <p:spPr>
           <a:xfrm>
-            <a:off x="10590663" y="3100310"/>
+            <a:off x="10590663" y="3125024"/>
             <a:ext cx="382137" cy="0"/>
           </a:xfrm>
           <a:prstGeom prst="line">
@@ -3174,7 +3174,7 @@
         </p:nvCxnSpPr>
         <p:spPr>
           <a:xfrm>
-            <a:off x="10269940" y="4126169"/>
+            <a:off x="10269940" y="4163240"/>
             <a:ext cx="1026000" cy="0"/>
           </a:xfrm>
           <a:prstGeom prst="line">
@@ -3209,7 +3209,7 @@
         </p:nvGrpSpPr>
         <p:grpSpPr>
           <a:xfrm>
-            <a:off x="5786914" y="1931668"/>
+            <a:off x="5786914" y="2351804"/>
             <a:ext cx="2995628" cy="2770495"/>
             <a:chOff x="5860396" y="2059250"/>
             <a:chExt cx="2995628" cy="2770495"/>
@@ -3561,6 +3561,127 @@
           </p:spPr>
         </p:pic>
       </p:grpSp>
+      <p:sp>
+        <p:nvSpPr>
+          <p:cNvPr id="16" name="CuadroTexto 15"/>
+          <p:cNvSpPr txBox="1"/>
+          <p:nvPr/>
+        </p:nvSpPr>
+        <p:spPr>
+          <a:xfrm>
+            <a:off x="5671676" y="1979503"/>
+            <a:ext cx="3171061" cy="338554"/>
+          </a:xfrm>
+          <a:prstGeom prst="rect">
+            <a:avLst/>
+          </a:prstGeom>
+          <a:noFill/>
+        </p:spPr>
+        <p:txBody>
+          <a:bodyPr wrap="none" rtlCol="0">
+            <a:spAutoFit/>
+          </a:bodyPr>
+          <a:lstStyle/>
+          <a:p>
+            <a:r>
+              <a:rPr lang="en-US" sz="1600" dirty="0" smtClean="0">
+                <a:latin typeface="Times New Roman" panose="02020603050405020304" pitchFamily="18" charset="0"/>
+                <a:cs typeface="Times New Roman" panose="02020603050405020304" pitchFamily="18" charset="0"/>
+              </a:rPr>
+              <a:t>R</a:t>
+            </a:r>
+            <a:r>
+              <a:rPr lang="en-US" sz="1600" baseline="30000" dirty="0" smtClean="0">
+                <a:latin typeface="Times New Roman" panose="02020603050405020304" pitchFamily="18" charset="0"/>
+                <a:cs typeface="Times New Roman" panose="02020603050405020304" pitchFamily="18" charset="0"/>
+              </a:rPr>
+              <a:t>2</a:t>
+            </a:r>
+            <a:r>
+              <a:rPr lang="en-US" sz="1600" dirty="0" smtClean="0">
+                <a:latin typeface="Times New Roman" panose="02020603050405020304" pitchFamily="18" charset="0"/>
+                <a:cs typeface="Times New Roman" panose="02020603050405020304" pitchFamily="18" charset="0"/>
+              </a:rPr>
+              <a:t>=0.34; F</a:t>
+            </a:r>
+            <a:r>
+              <a:rPr lang="en-US" sz="1600" baseline="-25000" dirty="0" smtClean="0">
+                <a:latin typeface="Times New Roman" panose="02020603050405020304" pitchFamily="18" charset="0"/>
+                <a:cs typeface="Times New Roman" panose="02020603050405020304" pitchFamily="18" charset="0"/>
+              </a:rPr>
+              <a:t>(1, 159)</a:t>
+            </a:r>
+            <a:r>
+              <a:rPr lang="en-US" sz="1600" dirty="0" smtClean="0">
+                <a:latin typeface="Times New Roman" panose="02020603050405020304" pitchFamily="18" charset="0"/>
+                <a:cs typeface="Times New Roman" panose="02020603050405020304" pitchFamily="18" charset="0"/>
+              </a:rPr>
+              <a:t>=</a:t>
+            </a:r>
+            <a:r>
+              <a:rPr lang="en-US" sz="1600" dirty="0" smtClean="0">
+                <a:latin typeface="Times New Roman" panose="02020603050405020304" pitchFamily="18" charset="0"/>
+                <a:cs typeface="Times New Roman" panose="02020603050405020304" pitchFamily="18" charset="0"/>
+              </a:rPr>
+              <a:t>59.37; </a:t>
+            </a:r>
+            <a:r>
+              <a:rPr lang="en-US" sz="1600" dirty="0" smtClean="0">
+                <a:latin typeface="Times New Roman" panose="02020603050405020304" pitchFamily="18" charset="0"/>
+                <a:cs typeface="Times New Roman" panose="02020603050405020304" pitchFamily="18" charset="0"/>
+              </a:rPr>
+              <a:t>p=1.3x10</a:t>
+            </a:r>
+            <a:r>
+              <a:rPr lang="en-US" sz="1600" baseline="30000" dirty="0" smtClean="0">
+                <a:latin typeface="Times New Roman" panose="02020603050405020304" pitchFamily="18" charset="0"/>
+                <a:cs typeface="Times New Roman" panose="02020603050405020304" pitchFamily="18" charset="0"/>
+              </a:rPr>
+              <a:t>-12</a:t>
+            </a:r>
+            <a:endParaRPr lang="en-US" sz="1600" dirty="0">
+              <a:latin typeface="Times New Roman" panose="02020603050405020304" pitchFamily="18" charset="0"/>
+              <a:cs typeface="Times New Roman" panose="02020603050405020304" pitchFamily="18" charset="0"/>
+            </a:endParaRPr>
+          </a:p>
+        </p:txBody>
+      </p:sp>
+      <p:sp>
+        <p:nvSpPr>
+          <p:cNvPr id="19" name="CuadroTexto 18"/>
+          <p:cNvSpPr txBox="1"/>
+          <p:nvPr/>
+        </p:nvSpPr>
+        <p:spPr>
+          <a:xfrm>
+            <a:off x="9686741" y="5573533"/>
+            <a:ext cx="2198935" cy="369332"/>
+          </a:xfrm>
+          <a:prstGeom prst="rect">
+            <a:avLst/>
+          </a:prstGeom>
+          <a:noFill/>
+        </p:spPr>
+        <p:txBody>
+          <a:bodyPr wrap="none" rtlCol="0">
+            <a:spAutoFit/>
+          </a:bodyPr>
+          <a:lstStyle/>
+          <a:p>
+            <a:r>
+              <a:rPr lang="en-US" dirty="0" smtClean="0">
+                <a:latin typeface="Times New Roman" panose="02020603050405020304" pitchFamily="18" charset="0"/>
+                <a:cs typeface="Times New Roman" panose="02020603050405020304" pitchFamily="18" charset="0"/>
+              </a:rPr>
+              <a:t>Studied Insect Orders</a:t>
+            </a:r>
+            <a:endParaRPr lang="en-US" dirty="0">
+              <a:latin typeface="Times New Roman" panose="02020603050405020304" pitchFamily="18" charset="0"/>
+              <a:cs typeface="Times New Roman" panose="02020603050405020304" pitchFamily="18" charset="0"/>
+            </a:endParaRPr>
+          </a:p>
+        </p:txBody>
+      </p:sp>
     </p:spTree>
     <p:extLst>
       <p:ext uri="{BB962C8B-B14F-4D97-AF65-F5344CB8AC3E}">
